--- a/XML.pptx
+++ b/XML.pptx
@@ -5,7 +5,7 @@
     <p:sldMasterId id="2147483648" r:id="rId1"/>
   </p:sldMasterIdLst>
   <p:notesMasterIdLst>
-    <p:notesMasterId r:id="rId29"/>
+    <p:notesMasterId r:id="rId34"/>
   </p:notesMasterIdLst>
   <p:sldIdLst>
     <p:sldId id="256" r:id="rId2"/>
@@ -34,7 +34,12 @@
     <p:sldId id="275" r:id="rId25"/>
     <p:sldId id="276" r:id="rId26"/>
     <p:sldId id="280" r:id="rId27"/>
-    <p:sldId id="281" r:id="rId28"/>
+    <p:sldId id="284" r:id="rId28"/>
+    <p:sldId id="281" r:id="rId29"/>
+    <p:sldId id="285" r:id="rId30"/>
+    <p:sldId id="286" r:id="rId31"/>
+    <p:sldId id="287" r:id="rId32"/>
+    <p:sldId id="288" r:id="rId33"/>
   </p:sldIdLst>
   <p:sldSz cx="12192000" cy="6858000"/>
   <p:notesSz cx="6858000" cy="9144000"/>
@@ -172,7 +177,12 @@
             <p14:sldId id="275"/>
             <p14:sldId id="276"/>
             <p14:sldId id="280"/>
+            <p14:sldId id="284"/>
             <p14:sldId id="281"/>
+            <p14:sldId id="285"/>
+            <p14:sldId id="286"/>
+            <p14:sldId id="287"/>
+            <p14:sldId id="288"/>
           </p14:sldIdLst>
         </p14:section>
       </p14:sectionLst>
@@ -310,7 +320,7 @@
           <a:p>
             <a:fld id="{E6AF8031-6397-42F4-8630-8424B573FB5A}" type="datetimeFigureOut">
               <a:rPr lang="en-US" smtClean="0"/>
-              <a:t>5/4/2023</a:t>
+              <a:t>5/8/2023</a:t>
             </a:fld>
             <a:endParaRPr lang="en-US"/>
           </a:p>
@@ -724,7 +734,7 @@
           <a:p>
             <a:fld id="{6278235F-8910-46B2-984A-1820EE168D9B}" type="datetime1">
               <a:rPr lang="en-US" smtClean="0"/>
-              <a:t>5/4/2023</a:t>
+              <a:t>5/8/2023</a:t>
             </a:fld>
             <a:endParaRPr lang="en-US"/>
           </a:p>
@@ -925,7 +935,7 @@
           <a:p>
             <a:fld id="{CDC7B2F3-D2D8-4F5D-A88B-1BCC962570EF}" type="datetime1">
               <a:rPr lang="en-US" smtClean="0"/>
-              <a:t>5/4/2023</a:t>
+              <a:t>5/8/2023</a:t>
             </a:fld>
             <a:endParaRPr lang="en-US"/>
           </a:p>
@@ -1136,7 +1146,7 @@
           <a:p>
             <a:fld id="{EAAA300C-6241-4EBD-A79C-303C85ECA15A}" type="datetime1">
               <a:rPr lang="en-US" smtClean="0"/>
-              <a:t>5/4/2023</a:t>
+              <a:t>5/8/2023</a:t>
             </a:fld>
             <a:endParaRPr lang="en-US"/>
           </a:p>
@@ -1337,7 +1347,7 @@
           <a:p>
             <a:fld id="{8E206612-FAD9-441D-B9AD-D12127A2E59A}" type="datetime1">
               <a:rPr lang="en-US" smtClean="0"/>
-              <a:t>5/4/2023</a:t>
+              <a:t>5/8/2023</a:t>
             </a:fld>
             <a:endParaRPr lang="en-US"/>
           </a:p>
@@ -1615,7 +1625,7 @@
           <a:p>
             <a:fld id="{6CD710CA-9CCA-4D9B-9BD5-6BF974C36B77}" type="datetime1">
               <a:rPr lang="en-US" smtClean="0"/>
-              <a:t>5/4/2023</a:t>
+              <a:t>5/8/2023</a:t>
             </a:fld>
             <a:endParaRPr lang="en-US"/>
           </a:p>
@@ -1883,7 +1893,7 @@
           <a:p>
             <a:fld id="{37C5B303-EAED-4D9D-9649-A8359D8BECF6}" type="datetime1">
               <a:rPr lang="en-US" smtClean="0"/>
-              <a:t>5/4/2023</a:t>
+              <a:t>5/8/2023</a:t>
             </a:fld>
             <a:endParaRPr lang="en-US"/>
           </a:p>
@@ -2298,7 +2308,7 @@
           <a:p>
             <a:fld id="{141145D9-C107-4B78-9B2C-74B5CEF58614}" type="datetime1">
               <a:rPr lang="en-US" smtClean="0"/>
-              <a:t>5/4/2023</a:t>
+              <a:t>5/8/2023</a:t>
             </a:fld>
             <a:endParaRPr lang="en-US"/>
           </a:p>
@@ -2442,7 +2452,7 @@
           <a:p>
             <a:fld id="{91A0F3B1-92DC-4929-9B6E-1BD694511B81}" type="datetime1">
               <a:rPr lang="en-US" smtClean="0"/>
-              <a:t>5/4/2023</a:t>
+              <a:t>5/8/2023</a:t>
             </a:fld>
             <a:endParaRPr lang="en-US"/>
           </a:p>
@@ -2558,7 +2568,7 @@
           <a:p>
             <a:fld id="{2B7A4CE0-92B4-41A1-A9A4-CB3615C1794D}" type="datetime1">
               <a:rPr lang="en-US" smtClean="0"/>
-              <a:t>5/4/2023</a:t>
+              <a:t>5/8/2023</a:t>
             </a:fld>
             <a:endParaRPr lang="en-US"/>
           </a:p>
@@ -2872,7 +2882,7 @@
           <a:p>
             <a:fld id="{DB7DD55D-639B-459E-8EB9-A5A58BD5358F}" type="datetime1">
               <a:rPr lang="en-US" smtClean="0"/>
-              <a:t>5/4/2023</a:t>
+              <a:t>5/8/2023</a:t>
             </a:fld>
             <a:endParaRPr lang="en-US"/>
           </a:p>
@@ -3163,7 +3173,7 @@
           <a:p>
             <a:fld id="{8E8CD2C4-7848-4757-9E31-E85C8F89684D}" type="datetime1">
               <a:rPr lang="en-US" smtClean="0"/>
-              <a:t>5/4/2023</a:t>
+              <a:t>5/8/2023</a:t>
             </a:fld>
             <a:endParaRPr lang="en-US"/>
           </a:p>
@@ -3437,7 +3447,7 @@
           <a:p>
             <a:fld id="{893EFF75-B296-48A8-92AE-0899E85CD770}" type="datetime1">
               <a:rPr lang="en-US" smtClean="0"/>
-              <a:t>5/4/2023</a:t>
+              <a:t>5/8/2023</a:t>
             </a:fld>
             <a:endParaRPr lang="en-US"/>
           </a:p>
@@ -11152,234 +11162,509 @@
         </p:spPr>
         <p:txBody>
           <a:bodyPr>
-            <a:normAutofit fontScale="77500" lnSpcReduction="20000"/>
+            <a:normAutofit fontScale="85000" lnSpcReduction="20000"/>
           </a:bodyPr>
           <a:lstStyle/>
           <a:p>
             <a:r>
               <a:rPr lang="en-US" dirty="0"/>
-              <a:t>An XML Schema describes the structure of an XML document, just like a DTD.</a:t>
-            </a:r>
-          </a:p>
-          <a:p>
-            <a:r>
-              <a:rPr lang="en-US" dirty="0"/>
-              <a:t>An XML document with correct syntax is called "Well Formed".</a:t>
-            </a:r>
-          </a:p>
-          <a:p>
-            <a:r>
-              <a:rPr lang="en-US" dirty="0"/>
-              <a:t>An XML document validated against an XML Schema is both "Well Formed" and "Valid".</a:t>
-            </a:r>
-          </a:p>
-          <a:p>
-            <a:r>
-              <a:rPr lang="en-US" dirty="0"/>
-              <a:t>XML Schema</a:t>
-            </a:r>
-          </a:p>
-          <a:p>
-            <a:r>
-              <a:rPr lang="en-US" dirty="0"/>
-              <a:t>XML Schema is an XML-based alternative to DTD:</a:t>
+              <a:t>An XML Schema describes the structure of an XML document.</a:t>
+            </a:r>
+          </a:p>
+          <a:p>
+            <a:r>
+              <a:rPr lang="en-US" dirty="0"/>
+              <a:t>The XML Schema language is also referred to as XML Schema Definition (XSD).</a:t>
             </a:r>
           </a:p>
           <a:p>
             <a:pPr marL="0" indent="0">
               <a:buNone/>
             </a:pPr>
-            <a:r>
-              <a:rPr lang="en-US" dirty="0"/>
-              <a:t>&lt;</a:t>
-            </a:r>
-            <a:r>
-              <a:rPr lang="en-US" dirty="0" err="1"/>
-              <a:t>xs:element</a:t>
-            </a:r>
-            <a:r>
-              <a:rPr lang="en-US" dirty="0"/>
-              <a:t> name="note"&gt;</a:t>
-            </a:r>
-            <a:br>
-              <a:rPr lang="en-US" dirty="0"/>
-            </a:br>
-            <a:br>
-              <a:rPr lang="en-US" dirty="0"/>
-            </a:br>
-            <a:r>
-              <a:rPr lang="en-US" dirty="0"/>
-              <a:t>&lt;</a:t>
-            </a:r>
-            <a:r>
-              <a:rPr lang="en-US" dirty="0" err="1"/>
-              <a:t>xs:complexType</a:t>
-            </a:r>
-            <a:r>
-              <a:rPr lang="en-US" dirty="0"/>
-              <a:t>&gt;</a:t>
-            </a:r>
-            <a:br>
-              <a:rPr lang="en-US" dirty="0"/>
-            </a:br>
-            <a:r>
-              <a:rPr lang="en-US" dirty="0"/>
-              <a:t>  &lt;</a:t>
-            </a:r>
-            <a:r>
-              <a:rPr lang="en-US" dirty="0" err="1"/>
-              <a:t>xs:sequence</a:t>
-            </a:r>
-            <a:r>
-              <a:rPr lang="en-US" dirty="0"/>
-              <a:t>&gt;</a:t>
-            </a:r>
-            <a:br>
-              <a:rPr lang="en-US" dirty="0"/>
-            </a:br>
-            <a:r>
-              <a:rPr lang="en-US" dirty="0"/>
-              <a:t>    &lt;</a:t>
-            </a:r>
-            <a:r>
-              <a:rPr lang="en-US" dirty="0" err="1"/>
-              <a:t>xs:element</a:t>
-            </a:r>
-            <a:r>
-              <a:rPr lang="en-US" dirty="0"/>
-              <a:t> name="to" type="</a:t>
-            </a:r>
-            <a:r>
-              <a:rPr lang="en-US" dirty="0" err="1"/>
-              <a:t>xs:string</a:t>
-            </a:r>
-            <a:r>
-              <a:rPr lang="en-US" dirty="0"/>
-              <a:t>"/&gt;</a:t>
-            </a:r>
-            <a:br>
-              <a:rPr lang="en-US" dirty="0"/>
-            </a:br>
-            <a:r>
-              <a:rPr lang="en-US" dirty="0"/>
-              <a:t>    &lt;</a:t>
-            </a:r>
-            <a:r>
-              <a:rPr lang="en-US" dirty="0" err="1"/>
-              <a:t>xs:element</a:t>
-            </a:r>
-            <a:r>
-              <a:rPr lang="en-US" dirty="0"/>
-              <a:t> name="from" type="</a:t>
-            </a:r>
-            <a:r>
-              <a:rPr lang="en-US" dirty="0" err="1"/>
-              <a:t>xs:string</a:t>
-            </a:r>
-            <a:r>
-              <a:rPr lang="en-US" dirty="0"/>
-              <a:t>"/&gt;</a:t>
-            </a:r>
-            <a:br>
-              <a:rPr lang="en-US" dirty="0"/>
-            </a:br>
-            <a:r>
-              <a:rPr lang="en-US" dirty="0"/>
-              <a:t>    &lt;</a:t>
-            </a:r>
-            <a:r>
-              <a:rPr lang="en-US" dirty="0" err="1"/>
-              <a:t>xs:element</a:t>
-            </a:r>
-            <a:r>
-              <a:rPr lang="en-US" dirty="0"/>
-              <a:t> name="heading" type="</a:t>
-            </a:r>
-            <a:r>
-              <a:rPr lang="en-US" dirty="0" err="1"/>
-              <a:t>xs:string</a:t>
-            </a:r>
-            <a:r>
-              <a:rPr lang="en-US" dirty="0"/>
-              <a:t>"/&gt;</a:t>
-            </a:r>
-            <a:br>
-              <a:rPr lang="en-US" dirty="0"/>
-            </a:br>
-            <a:r>
-              <a:rPr lang="en-US" dirty="0"/>
-              <a:t>    &lt;</a:t>
-            </a:r>
-            <a:r>
-              <a:rPr lang="en-US" dirty="0" err="1"/>
-              <a:t>xs:element</a:t>
-            </a:r>
-            <a:r>
-              <a:rPr lang="en-US" dirty="0"/>
-              <a:t> name="body" type="</a:t>
-            </a:r>
-            <a:r>
-              <a:rPr lang="en-US" dirty="0" err="1"/>
-              <a:t>xs:string</a:t>
-            </a:r>
-            <a:r>
-              <a:rPr lang="en-US" dirty="0"/>
-              <a:t>"/&gt;</a:t>
-            </a:r>
-            <a:br>
-              <a:rPr lang="en-US" dirty="0"/>
-            </a:br>
-            <a:r>
-              <a:rPr lang="en-US" dirty="0"/>
-              <a:t>  &lt;/</a:t>
-            </a:r>
-            <a:r>
-              <a:rPr lang="en-US" dirty="0" err="1"/>
-              <a:t>xs:sequence</a:t>
-            </a:r>
-            <a:r>
-              <a:rPr lang="en-US" dirty="0"/>
-              <a:t>&gt;</a:t>
-            </a:r>
-            <a:br>
-              <a:rPr lang="en-US" dirty="0"/>
-            </a:br>
-            <a:r>
-              <a:rPr lang="en-US" dirty="0"/>
-              <a:t>&lt;/</a:t>
-            </a:r>
-            <a:r>
-              <a:rPr lang="en-US" dirty="0" err="1"/>
-              <a:t>xs:complexType</a:t>
-            </a:r>
-            <a:r>
-              <a:rPr lang="en-US" dirty="0"/>
-              <a:t>&gt;</a:t>
-            </a:r>
-            <a:br>
-              <a:rPr lang="en-US" dirty="0"/>
-            </a:br>
-            <a:br>
-              <a:rPr lang="en-US" dirty="0"/>
-            </a:br>
-            <a:r>
-              <a:rPr lang="en-US" dirty="0"/>
-              <a:t>&lt;/</a:t>
-            </a:r>
-            <a:r>
-              <a:rPr lang="en-US" dirty="0" err="1"/>
-              <a:t>xs:element</a:t>
-            </a:r>
-            <a:r>
-              <a:rPr lang="en-US" dirty="0"/>
-              <a:t>&gt;</a:t>
-            </a:r>
+            <a:endParaRPr lang="en-US" dirty="0">
+              <a:solidFill>
+                <a:srgbClr val="FF0000"/>
+              </a:solidFill>
+            </a:endParaRPr>
           </a:p>
           <a:p>
             <a:pPr marL="0" indent="0">
               <a:buNone/>
             </a:pPr>
-            <a:endParaRPr lang="en-US" dirty="0"/>
+            <a:r>
+              <a:rPr lang="en-US" dirty="0">
+                <a:solidFill>
+                  <a:srgbClr val="FF0000"/>
+                </a:solidFill>
+              </a:rPr>
+              <a:t>&lt;?xml version="1.0"?&gt;</a:t>
+            </a:r>
+            <a:br>
+              <a:rPr lang="en-US" dirty="0">
+                <a:solidFill>
+                  <a:srgbClr val="FF0000"/>
+                </a:solidFill>
+              </a:rPr>
+            </a:br>
+            <a:r>
+              <a:rPr lang="en-US" dirty="0">
+                <a:solidFill>
+                  <a:srgbClr val="FF0000"/>
+                </a:solidFill>
+              </a:rPr>
+              <a:t>&lt;</a:t>
+            </a:r>
+            <a:r>
+              <a:rPr lang="en-US" dirty="0" err="1">
+                <a:solidFill>
+                  <a:srgbClr val="FF0000"/>
+                </a:solidFill>
+              </a:rPr>
+              <a:t>xs:schema</a:t>
+            </a:r>
+            <a:r>
+              <a:rPr lang="en-US" dirty="0">
+                <a:solidFill>
+                  <a:srgbClr val="FF0000"/>
+                </a:solidFill>
+              </a:rPr>
+              <a:t> </a:t>
+            </a:r>
+            <a:r>
+              <a:rPr lang="en-US" dirty="0" err="1">
+                <a:solidFill>
+                  <a:srgbClr val="FF0000"/>
+                </a:solidFill>
+              </a:rPr>
+              <a:t>xmlns:xs</a:t>
+            </a:r>
+            <a:r>
+              <a:rPr lang="en-US" dirty="0">
+                <a:solidFill>
+                  <a:srgbClr val="FF0000"/>
+                </a:solidFill>
+              </a:rPr>
+              <a:t>="http://www.w3.org/2001/XMLSchema"&gt;</a:t>
+            </a:r>
+            <a:br>
+              <a:rPr lang="en-US" dirty="0">
+                <a:solidFill>
+                  <a:srgbClr val="FF0000"/>
+                </a:solidFill>
+              </a:rPr>
+            </a:br>
+            <a:br>
+              <a:rPr lang="en-US" dirty="0">
+                <a:solidFill>
+                  <a:srgbClr val="FF0000"/>
+                </a:solidFill>
+              </a:rPr>
+            </a:br>
+            <a:r>
+              <a:rPr lang="en-US" dirty="0">
+                <a:solidFill>
+                  <a:srgbClr val="FF0000"/>
+                </a:solidFill>
+              </a:rPr>
+              <a:t>&lt;</a:t>
+            </a:r>
+            <a:r>
+              <a:rPr lang="en-US" dirty="0" err="1">
+                <a:solidFill>
+                  <a:srgbClr val="FF0000"/>
+                </a:solidFill>
+              </a:rPr>
+              <a:t>xs:element</a:t>
+            </a:r>
+            <a:r>
+              <a:rPr lang="en-US" dirty="0">
+                <a:solidFill>
+                  <a:srgbClr val="FF0000"/>
+                </a:solidFill>
+              </a:rPr>
+              <a:t> name="note"&gt;</a:t>
+            </a:r>
+            <a:br>
+              <a:rPr lang="en-US" dirty="0">
+                <a:solidFill>
+                  <a:srgbClr val="FF0000"/>
+                </a:solidFill>
+              </a:rPr>
+            </a:br>
+            <a:r>
+              <a:rPr lang="en-US" dirty="0">
+                <a:solidFill>
+                  <a:srgbClr val="FF0000"/>
+                </a:solidFill>
+              </a:rPr>
+              <a:t>  &lt;</a:t>
+            </a:r>
+            <a:r>
+              <a:rPr lang="en-US" dirty="0" err="1">
+                <a:solidFill>
+                  <a:srgbClr val="FF0000"/>
+                </a:solidFill>
+              </a:rPr>
+              <a:t>xs:complexType</a:t>
+            </a:r>
+            <a:r>
+              <a:rPr lang="en-US" dirty="0">
+                <a:solidFill>
+                  <a:srgbClr val="FF0000"/>
+                </a:solidFill>
+              </a:rPr>
+              <a:t>&gt;</a:t>
+            </a:r>
+            <a:br>
+              <a:rPr lang="en-US" dirty="0">
+                <a:solidFill>
+                  <a:srgbClr val="FF0000"/>
+                </a:solidFill>
+              </a:rPr>
+            </a:br>
+            <a:r>
+              <a:rPr lang="en-US" dirty="0">
+                <a:solidFill>
+                  <a:srgbClr val="FF0000"/>
+                </a:solidFill>
+              </a:rPr>
+              <a:t>    &lt;</a:t>
+            </a:r>
+            <a:r>
+              <a:rPr lang="en-US" dirty="0" err="1">
+                <a:solidFill>
+                  <a:srgbClr val="FF0000"/>
+                </a:solidFill>
+              </a:rPr>
+              <a:t>xs:sequence</a:t>
+            </a:r>
+            <a:r>
+              <a:rPr lang="en-US" dirty="0">
+                <a:solidFill>
+                  <a:srgbClr val="FF0000"/>
+                </a:solidFill>
+              </a:rPr>
+              <a:t>&gt;</a:t>
+            </a:r>
+            <a:br>
+              <a:rPr lang="en-US" dirty="0">
+                <a:solidFill>
+                  <a:srgbClr val="FF0000"/>
+                </a:solidFill>
+              </a:rPr>
+            </a:br>
+            <a:r>
+              <a:rPr lang="en-US" dirty="0">
+                <a:solidFill>
+                  <a:srgbClr val="FF0000"/>
+                </a:solidFill>
+              </a:rPr>
+              <a:t>      &lt;</a:t>
+            </a:r>
+            <a:r>
+              <a:rPr lang="en-US" dirty="0" err="1">
+                <a:solidFill>
+                  <a:srgbClr val="FF0000"/>
+                </a:solidFill>
+              </a:rPr>
+              <a:t>xs:element</a:t>
+            </a:r>
+            <a:r>
+              <a:rPr lang="en-US" dirty="0">
+                <a:solidFill>
+                  <a:srgbClr val="FF0000"/>
+                </a:solidFill>
+              </a:rPr>
+              <a:t> name="to" type="</a:t>
+            </a:r>
+            <a:r>
+              <a:rPr lang="en-US" dirty="0" err="1">
+                <a:solidFill>
+                  <a:srgbClr val="FF0000"/>
+                </a:solidFill>
+              </a:rPr>
+              <a:t>xs:string</a:t>
+            </a:r>
+            <a:r>
+              <a:rPr lang="en-US" dirty="0">
+                <a:solidFill>
+                  <a:srgbClr val="FF0000"/>
+                </a:solidFill>
+              </a:rPr>
+              <a:t>"/&gt;</a:t>
+            </a:r>
+            <a:br>
+              <a:rPr lang="en-US" dirty="0">
+                <a:solidFill>
+                  <a:srgbClr val="FF0000"/>
+                </a:solidFill>
+              </a:rPr>
+            </a:br>
+            <a:r>
+              <a:rPr lang="en-US" dirty="0">
+                <a:solidFill>
+                  <a:srgbClr val="FF0000"/>
+                </a:solidFill>
+              </a:rPr>
+              <a:t>      &lt;</a:t>
+            </a:r>
+            <a:r>
+              <a:rPr lang="en-US" dirty="0" err="1">
+                <a:solidFill>
+                  <a:srgbClr val="FF0000"/>
+                </a:solidFill>
+              </a:rPr>
+              <a:t>xs:element</a:t>
+            </a:r>
+            <a:r>
+              <a:rPr lang="en-US" dirty="0">
+                <a:solidFill>
+                  <a:srgbClr val="FF0000"/>
+                </a:solidFill>
+              </a:rPr>
+              <a:t> name="from" type="</a:t>
+            </a:r>
+            <a:r>
+              <a:rPr lang="en-US" dirty="0" err="1">
+                <a:solidFill>
+                  <a:srgbClr val="FF0000"/>
+                </a:solidFill>
+              </a:rPr>
+              <a:t>xs:string</a:t>
+            </a:r>
+            <a:r>
+              <a:rPr lang="en-US" dirty="0">
+                <a:solidFill>
+                  <a:srgbClr val="FF0000"/>
+                </a:solidFill>
+              </a:rPr>
+              <a:t>"/&gt;</a:t>
+            </a:r>
+            <a:br>
+              <a:rPr lang="en-US" dirty="0">
+                <a:solidFill>
+                  <a:srgbClr val="FF0000"/>
+                </a:solidFill>
+              </a:rPr>
+            </a:br>
+            <a:r>
+              <a:rPr lang="en-US" dirty="0">
+                <a:solidFill>
+                  <a:srgbClr val="FF0000"/>
+                </a:solidFill>
+              </a:rPr>
+              <a:t>      &lt;</a:t>
+            </a:r>
+            <a:r>
+              <a:rPr lang="en-US" dirty="0" err="1">
+                <a:solidFill>
+                  <a:srgbClr val="FF0000"/>
+                </a:solidFill>
+              </a:rPr>
+              <a:t>xs:element</a:t>
+            </a:r>
+            <a:r>
+              <a:rPr lang="en-US" dirty="0">
+                <a:solidFill>
+                  <a:srgbClr val="FF0000"/>
+                </a:solidFill>
+              </a:rPr>
+              <a:t> name="heading" type="</a:t>
+            </a:r>
+            <a:r>
+              <a:rPr lang="en-US" dirty="0" err="1">
+                <a:solidFill>
+                  <a:srgbClr val="FF0000"/>
+                </a:solidFill>
+              </a:rPr>
+              <a:t>xs:string</a:t>
+            </a:r>
+            <a:r>
+              <a:rPr lang="en-US" dirty="0">
+                <a:solidFill>
+                  <a:srgbClr val="FF0000"/>
+                </a:solidFill>
+              </a:rPr>
+              <a:t>"/&gt;</a:t>
+            </a:r>
+            <a:br>
+              <a:rPr lang="en-US" dirty="0">
+                <a:solidFill>
+                  <a:srgbClr val="FF0000"/>
+                </a:solidFill>
+              </a:rPr>
+            </a:br>
+            <a:r>
+              <a:rPr lang="en-US" dirty="0">
+                <a:solidFill>
+                  <a:srgbClr val="FF0000"/>
+                </a:solidFill>
+              </a:rPr>
+              <a:t>      &lt;</a:t>
+            </a:r>
+            <a:r>
+              <a:rPr lang="en-US" dirty="0" err="1">
+                <a:solidFill>
+                  <a:srgbClr val="FF0000"/>
+                </a:solidFill>
+              </a:rPr>
+              <a:t>xs:element</a:t>
+            </a:r>
+            <a:r>
+              <a:rPr lang="en-US" dirty="0">
+                <a:solidFill>
+                  <a:srgbClr val="FF0000"/>
+                </a:solidFill>
+              </a:rPr>
+              <a:t> name="body" type="</a:t>
+            </a:r>
+            <a:r>
+              <a:rPr lang="en-US" dirty="0" err="1">
+                <a:solidFill>
+                  <a:srgbClr val="FF0000"/>
+                </a:solidFill>
+              </a:rPr>
+              <a:t>xs:string</a:t>
+            </a:r>
+            <a:r>
+              <a:rPr lang="en-US" dirty="0">
+                <a:solidFill>
+                  <a:srgbClr val="FF0000"/>
+                </a:solidFill>
+              </a:rPr>
+              <a:t>"/&gt;</a:t>
+            </a:r>
+            <a:br>
+              <a:rPr lang="en-US" dirty="0">
+                <a:solidFill>
+                  <a:srgbClr val="FF0000"/>
+                </a:solidFill>
+              </a:rPr>
+            </a:br>
+            <a:r>
+              <a:rPr lang="en-US" dirty="0">
+                <a:solidFill>
+                  <a:srgbClr val="FF0000"/>
+                </a:solidFill>
+              </a:rPr>
+              <a:t>    &lt;/</a:t>
+            </a:r>
+            <a:r>
+              <a:rPr lang="en-US" dirty="0" err="1">
+                <a:solidFill>
+                  <a:srgbClr val="FF0000"/>
+                </a:solidFill>
+              </a:rPr>
+              <a:t>xs:sequence</a:t>
+            </a:r>
+            <a:r>
+              <a:rPr lang="en-US" dirty="0">
+                <a:solidFill>
+                  <a:srgbClr val="FF0000"/>
+                </a:solidFill>
+              </a:rPr>
+              <a:t>&gt;</a:t>
+            </a:r>
+            <a:br>
+              <a:rPr lang="en-US" dirty="0">
+                <a:solidFill>
+                  <a:srgbClr val="FF0000"/>
+                </a:solidFill>
+              </a:rPr>
+            </a:br>
+            <a:r>
+              <a:rPr lang="en-US" dirty="0">
+                <a:solidFill>
+                  <a:srgbClr val="FF0000"/>
+                </a:solidFill>
+              </a:rPr>
+              <a:t>  &lt;/</a:t>
+            </a:r>
+            <a:r>
+              <a:rPr lang="en-US" dirty="0" err="1">
+                <a:solidFill>
+                  <a:srgbClr val="FF0000"/>
+                </a:solidFill>
+              </a:rPr>
+              <a:t>xs:complexType</a:t>
+            </a:r>
+            <a:r>
+              <a:rPr lang="en-US" dirty="0">
+                <a:solidFill>
+                  <a:srgbClr val="FF0000"/>
+                </a:solidFill>
+              </a:rPr>
+              <a:t>&gt;</a:t>
+            </a:r>
+            <a:br>
+              <a:rPr lang="en-US" dirty="0">
+                <a:solidFill>
+                  <a:srgbClr val="FF0000"/>
+                </a:solidFill>
+              </a:rPr>
+            </a:br>
+            <a:r>
+              <a:rPr lang="en-US" dirty="0">
+                <a:solidFill>
+                  <a:srgbClr val="FF0000"/>
+                </a:solidFill>
+              </a:rPr>
+              <a:t>&lt;/</a:t>
+            </a:r>
+            <a:r>
+              <a:rPr lang="en-US" dirty="0" err="1">
+                <a:solidFill>
+                  <a:srgbClr val="FF0000"/>
+                </a:solidFill>
+              </a:rPr>
+              <a:t>xs:element</a:t>
+            </a:r>
+            <a:r>
+              <a:rPr lang="en-US" dirty="0">
+                <a:solidFill>
+                  <a:srgbClr val="FF0000"/>
+                </a:solidFill>
+              </a:rPr>
+              <a:t>&gt;</a:t>
+            </a:r>
+            <a:br>
+              <a:rPr lang="en-US" dirty="0">
+                <a:solidFill>
+                  <a:srgbClr val="FF0000"/>
+                </a:solidFill>
+              </a:rPr>
+            </a:br>
+            <a:br>
+              <a:rPr lang="en-US" dirty="0">
+                <a:solidFill>
+                  <a:srgbClr val="FF0000"/>
+                </a:solidFill>
+              </a:rPr>
+            </a:br>
+            <a:r>
+              <a:rPr lang="en-US" dirty="0">
+                <a:solidFill>
+                  <a:srgbClr val="FF0000"/>
+                </a:solidFill>
+              </a:rPr>
+              <a:t>&lt;/</a:t>
+            </a:r>
+            <a:r>
+              <a:rPr lang="en-US" dirty="0" err="1">
+                <a:solidFill>
+                  <a:srgbClr val="FF0000"/>
+                </a:solidFill>
+              </a:rPr>
+              <a:t>xs:schema</a:t>
+            </a:r>
+            <a:r>
+              <a:rPr lang="en-US" dirty="0">
+                <a:solidFill>
+                  <a:srgbClr val="FF0000"/>
+                </a:solidFill>
+              </a:rPr>
+              <a:t>&gt;</a:t>
+            </a:r>
           </a:p>
         </p:txBody>
       </p:sp>
@@ -11475,6 +11760,1054 @@
           <p:cNvPr id="3" name="Content Placeholder 2">
             <a:extLst>
               <a:ext uri="{FF2B5EF4-FFF2-40B4-BE49-F238E27FC236}">
+                <a16:creationId xmlns:a16="http://schemas.microsoft.com/office/drawing/2014/main" id="{E173C0F2-B0AD-4801-8E1A-874A0B04FE07}"/>
+              </a:ext>
+            </a:extLst>
+          </p:cNvPr>
+          <p:cNvSpPr>
+            <a:spLocks noGrp="1"/>
+          </p:cNvSpPr>
+          <p:nvPr>
+            <p:ph idx="1"/>
+          </p:nvPr>
+        </p:nvSpPr>
+        <p:spPr>
+          <a:xfrm>
+            <a:off x="838200" y="136525"/>
+            <a:ext cx="10515600" cy="6040438"/>
+          </a:xfrm>
+        </p:spPr>
+        <p:txBody>
+          <a:bodyPr>
+            <a:normAutofit fontScale="85000" lnSpcReduction="20000"/>
+          </a:bodyPr>
+          <a:lstStyle/>
+          <a:p>
+            <a:r>
+              <a:rPr lang="en-US" dirty="0"/>
+              <a:t>The purpose of an XML Schema is to define the legal building blocks of an XML document:</a:t>
+            </a:r>
+          </a:p>
+          <a:p>
+            <a:r>
+              <a:rPr lang="en-US" dirty="0"/>
+              <a:t>the elements and attributes that can </a:t>
+            </a:r>
+            <a:r>
+              <a:rPr lang="en-US" dirty="0" err="1"/>
+              <a:t>appe</a:t>
+            </a:r>
+            <a:r>
+              <a:rPr lang="en-US" dirty="0"/>
+              <a:t> a document</a:t>
+            </a:r>
+          </a:p>
+          <a:p>
+            <a:r>
+              <a:rPr lang="en-US" dirty="0"/>
+              <a:t>the number of (and order of) child elements</a:t>
+            </a:r>
+          </a:p>
+          <a:p>
+            <a:r>
+              <a:rPr lang="en-US" dirty="0"/>
+              <a:t>data types for elements and attributes</a:t>
+            </a:r>
+          </a:p>
+          <a:p>
+            <a:r>
+              <a:rPr lang="en-US" dirty="0"/>
+              <a:t>default and fixed values for elements and attributes</a:t>
+            </a:r>
+          </a:p>
+          <a:p>
+            <a:endParaRPr lang="en-US" sz="2000" dirty="0"/>
+          </a:p>
+          <a:p>
+            <a:pPr marL="0" indent="0">
+              <a:buNone/>
+            </a:pPr>
+            <a:r>
+              <a:rPr lang="en-US" sz="2000" dirty="0">
+                <a:solidFill>
+                  <a:srgbClr val="0000CD"/>
+                </a:solidFill>
+                <a:latin typeface="Consolas" panose="020B0609020204030204" pitchFamily="49" charset="0"/>
+              </a:rPr>
+              <a:t>&lt;</a:t>
+            </a:r>
+            <a:r>
+              <a:rPr lang="en-US" sz="2000" dirty="0">
+                <a:solidFill>
+                  <a:srgbClr val="A52A2A"/>
+                </a:solidFill>
+                <a:latin typeface="Consolas" panose="020B0609020204030204" pitchFamily="49" charset="0"/>
+              </a:rPr>
+              <a:t>?xml</a:t>
+            </a:r>
+            <a:r>
+              <a:rPr lang="en-US" sz="2000" dirty="0">
+                <a:solidFill>
+                  <a:srgbClr val="FF0000"/>
+                </a:solidFill>
+                <a:latin typeface="Consolas" panose="020B0609020204030204" pitchFamily="49" charset="0"/>
+              </a:rPr>
+              <a:t> version</a:t>
+            </a:r>
+            <a:r>
+              <a:rPr lang="en-US" sz="2000" dirty="0">
+                <a:solidFill>
+                  <a:srgbClr val="0000CD"/>
+                </a:solidFill>
+                <a:latin typeface="Consolas" panose="020B0609020204030204" pitchFamily="49" charset="0"/>
+              </a:rPr>
+              <a:t>="1.0"</a:t>
+            </a:r>
+            <a:r>
+              <a:rPr lang="en-US" sz="2000" dirty="0">
+                <a:solidFill>
+                  <a:srgbClr val="FF0000"/>
+                </a:solidFill>
+                <a:latin typeface="Consolas" panose="020B0609020204030204" pitchFamily="49" charset="0"/>
+              </a:rPr>
+              <a:t>?</a:t>
+            </a:r>
+            <a:r>
+              <a:rPr lang="en-US" sz="2000" dirty="0">
+                <a:solidFill>
+                  <a:srgbClr val="0000CD"/>
+                </a:solidFill>
+                <a:latin typeface="Consolas" panose="020B0609020204030204" pitchFamily="49" charset="0"/>
+              </a:rPr>
+              <a:t>&gt;</a:t>
+            </a:r>
+            <a:br>
+              <a:rPr lang="en-US" sz="2000" dirty="0"/>
+            </a:br>
+            <a:r>
+              <a:rPr lang="en-US" sz="2000" dirty="0">
+                <a:solidFill>
+                  <a:srgbClr val="0000CD"/>
+                </a:solidFill>
+                <a:latin typeface="Consolas" panose="020B0609020204030204" pitchFamily="49" charset="0"/>
+              </a:rPr>
+              <a:t>&lt;</a:t>
+            </a:r>
+            <a:r>
+              <a:rPr lang="en-US" sz="2000" dirty="0" err="1">
+                <a:solidFill>
+                  <a:srgbClr val="A52A2A"/>
+                </a:solidFill>
+                <a:latin typeface="Consolas" panose="020B0609020204030204" pitchFamily="49" charset="0"/>
+              </a:rPr>
+              <a:t>xs:schema</a:t>
+            </a:r>
+            <a:r>
+              <a:rPr lang="en-US" sz="2000" dirty="0">
+                <a:solidFill>
+                  <a:srgbClr val="FF0000"/>
+                </a:solidFill>
+                <a:latin typeface="Consolas" panose="020B0609020204030204" pitchFamily="49" charset="0"/>
+              </a:rPr>
+              <a:t> </a:t>
+            </a:r>
+            <a:r>
+              <a:rPr lang="en-US" sz="2000" dirty="0" err="1">
+                <a:solidFill>
+                  <a:srgbClr val="FF0000"/>
+                </a:solidFill>
+                <a:latin typeface="Consolas" panose="020B0609020204030204" pitchFamily="49" charset="0"/>
+              </a:rPr>
+              <a:t>xmlns:xs</a:t>
+            </a:r>
+            <a:r>
+              <a:rPr lang="en-US" sz="2000" dirty="0">
+                <a:solidFill>
+                  <a:srgbClr val="0000CD"/>
+                </a:solidFill>
+                <a:latin typeface="Consolas" panose="020B0609020204030204" pitchFamily="49" charset="0"/>
+              </a:rPr>
+              <a:t>="http://www.w3.org/2001/XMLSchema"</a:t>
+            </a:r>
+            <a:br>
+              <a:rPr lang="en-US" sz="2000" dirty="0">
+                <a:solidFill>
+                  <a:srgbClr val="FF0000"/>
+                </a:solidFill>
+                <a:latin typeface="Consolas" panose="020B0609020204030204" pitchFamily="49" charset="0"/>
+              </a:rPr>
+            </a:br>
+            <a:r>
+              <a:rPr lang="en-US" sz="2000" dirty="0" err="1">
+                <a:solidFill>
+                  <a:srgbClr val="FF0000"/>
+                </a:solidFill>
+                <a:latin typeface="Consolas" panose="020B0609020204030204" pitchFamily="49" charset="0"/>
+              </a:rPr>
+              <a:t>targetNamespace</a:t>
+            </a:r>
+            <a:r>
+              <a:rPr lang="en-US" sz="2000" dirty="0">
+                <a:solidFill>
+                  <a:srgbClr val="0000CD"/>
+                </a:solidFill>
+                <a:latin typeface="Consolas" panose="020B0609020204030204" pitchFamily="49" charset="0"/>
+              </a:rPr>
+              <a:t>="https://www.w3schools.com"</a:t>
+            </a:r>
+            <a:br>
+              <a:rPr lang="en-US" sz="2000" dirty="0">
+                <a:solidFill>
+                  <a:srgbClr val="FF0000"/>
+                </a:solidFill>
+                <a:latin typeface="Consolas" panose="020B0609020204030204" pitchFamily="49" charset="0"/>
+              </a:rPr>
+            </a:br>
+            <a:r>
+              <a:rPr lang="en-US" sz="2000" dirty="0" err="1">
+                <a:solidFill>
+                  <a:srgbClr val="FF0000"/>
+                </a:solidFill>
+                <a:latin typeface="Consolas" panose="020B0609020204030204" pitchFamily="49" charset="0"/>
+              </a:rPr>
+              <a:t>xmlns</a:t>
+            </a:r>
+            <a:r>
+              <a:rPr lang="en-US" sz="2000" dirty="0">
+                <a:solidFill>
+                  <a:srgbClr val="0000CD"/>
+                </a:solidFill>
+                <a:latin typeface="Consolas" panose="020B0609020204030204" pitchFamily="49" charset="0"/>
+              </a:rPr>
+              <a:t>="https://www.w3schools.com"</a:t>
+            </a:r>
+            <a:br>
+              <a:rPr lang="en-US" sz="2000" dirty="0">
+                <a:solidFill>
+                  <a:srgbClr val="FF0000"/>
+                </a:solidFill>
+                <a:latin typeface="Consolas" panose="020B0609020204030204" pitchFamily="49" charset="0"/>
+              </a:rPr>
+            </a:br>
+            <a:r>
+              <a:rPr lang="en-US" sz="2000" dirty="0" err="1">
+                <a:solidFill>
+                  <a:srgbClr val="FF0000"/>
+                </a:solidFill>
+                <a:latin typeface="Consolas" panose="020B0609020204030204" pitchFamily="49" charset="0"/>
+              </a:rPr>
+              <a:t>elementFormDefault</a:t>
+            </a:r>
+            <a:r>
+              <a:rPr lang="en-US" sz="2000" dirty="0">
+                <a:solidFill>
+                  <a:srgbClr val="0000CD"/>
+                </a:solidFill>
+                <a:latin typeface="Consolas" panose="020B0609020204030204" pitchFamily="49" charset="0"/>
+              </a:rPr>
+              <a:t>="qualified"&gt;</a:t>
+            </a:r>
+            <a:br>
+              <a:rPr lang="en-US" sz="2000" dirty="0"/>
+            </a:br>
+            <a:br>
+              <a:rPr lang="en-US" sz="2000" dirty="0"/>
+            </a:br>
+            <a:r>
+              <a:rPr lang="en-US" sz="2000" dirty="0">
+                <a:solidFill>
+                  <a:srgbClr val="0000CD"/>
+                </a:solidFill>
+                <a:latin typeface="Consolas" panose="020B0609020204030204" pitchFamily="49" charset="0"/>
+              </a:rPr>
+              <a:t>&lt;</a:t>
+            </a:r>
+            <a:r>
+              <a:rPr lang="en-US" sz="2000" dirty="0" err="1">
+                <a:solidFill>
+                  <a:srgbClr val="A52A2A"/>
+                </a:solidFill>
+                <a:latin typeface="Consolas" panose="020B0609020204030204" pitchFamily="49" charset="0"/>
+              </a:rPr>
+              <a:t>xs:element</a:t>
+            </a:r>
+            <a:r>
+              <a:rPr lang="en-US" sz="2000" dirty="0">
+                <a:solidFill>
+                  <a:srgbClr val="FF0000"/>
+                </a:solidFill>
+                <a:latin typeface="Consolas" panose="020B0609020204030204" pitchFamily="49" charset="0"/>
+              </a:rPr>
+              <a:t> name</a:t>
+            </a:r>
+            <a:r>
+              <a:rPr lang="en-US" sz="2000" dirty="0">
+                <a:solidFill>
+                  <a:srgbClr val="0000CD"/>
+                </a:solidFill>
+                <a:latin typeface="Consolas" panose="020B0609020204030204" pitchFamily="49" charset="0"/>
+              </a:rPr>
+              <a:t>="note"&gt;</a:t>
+            </a:r>
+            <a:br>
+              <a:rPr lang="en-US" sz="2000" dirty="0"/>
+            </a:br>
+            <a:r>
+              <a:rPr lang="en-US" sz="2000" dirty="0">
+                <a:solidFill>
+                  <a:srgbClr val="000000"/>
+                </a:solidFill>
+                <a:latin typeface="Consolas" panose="020B0609020204030204" pitchFamily="49" charset="0"/>
+              </a:rPr>
+              <a:t>  </a:t>
+            </a:r>
+            <a:r>
+              <a:rPr lang="en-US" sz="2000" dirty="0">
+                <a:solidFill>
+                  <a:srgbClr val="0000CD"/>
+                </a:solidFill>
+                <a:latin typeface="Consolas" panose="020B0609020204030204" pitchFamily="49" charset="0"/>
+              </a:rPr>
+              <a:t>&lt;</a:t>
+            </a:r>
+            <a:r>
+              <a:rPr lang="en-US" sz="2000" dirty="0" err="1">
+                <a:solidFill>
+                  <a:srgbClr val="A52A2A"/>
+                </a:solidFill>
+                <a:latin typeface="Consolas" panose="020B0609020204030204" pitchFamily="49" charset="0"/>
+              </a:rPr>
+              <a:t>xs:complexType</a:t>
+            </a:r>
+            <a:r>
+              <a:rPr lang="en-US" sz="2000" dirty="0">
+                <a:solidFill>
+                  <a:srgbClr val="0000CD"/>
+                </a:solidFill>
+                <a:latin typeface="Consolas" panose="020B0609020204030204" pitchFamily="49" charset="0"/>
+              </a:rPr>
+              <a:t>&gt;</a:t>
+            </a:r>
+            <a:br>
+              <a:rPr lang="en-US" sz="2000" dirty="0"/>
+            </a:br>
+            <a:r>
+              <a:rPr lang="en-US" sz="2000" dirty="0">
+                <a:solidFill>
+                  <a:srgbClr val="000000"/>
+                </a:solidFill>
+                <a:latin typeface="Consolas" panose="020B0609020204030204" pitchFamily="49" charset="0"/>
+              </a:rPr>
+              <a:t>    </a:t>
+            </a:r>
+            <a:r>
+              <a:rPr lang="en-US" sz="2000" dirty="0">
+                <a:solidFill>
+                  <a:srgbClr val="0000CD"/>
+                </a:solidFill>
+                <a:latin typeface="Consolas" panose="020B0609020204030204" pitchFamily="49" charset="0"/>
+              </a:rPr>
+              <a:t>&lt;</a:t>
+            </a:r>
+            <a:r>
+              <a:rPr lang="en-US" sz="2000" dirty="0" err="1">
+                <a:solidFill>
+                  <a:srgbClr val="A52A2A"/>
+                </a:solidFill>
+                <a:latin typeface="Consolas" panose="020B0609020204030204" pitchFamily="49" charset="0"/>
+              </a:rPr>
+              <a:t>xs:sequence</a:t>
+            </a:r>
+            <a:r>
+              <a:rPr lang="en-US" sz="2000" dirty="0">
+                <a:solidFill>
+                  <a:srgbClr val="0000CD"/>
+                </a:solidFill>
+                <a:latin typeface="Consolas" panose="020B0609020204030204" pitchFamily="49" charset="0"/>
+              </a:rPr>
+              <a:t>&gt;</a:t>
+            </a:r>
+            <a:br>
+              <a:rPr lang="en-US" sz="2000" dirty="0"/>
+            </a:br>
+            <a:r>
+              <a:rPr lang="en-US" sz="2000" dirty="0">
+                <a:solidFill>
+                  <a:srgbClr val="000000"/>
+                </a:solidFill>
+                <a:latin typeface="Consolas" panose="020B0609020204030204" pitchFamily="49" charset="0"/>
+              </a:rPr>
+              <a:t>      </a:t>
+            </a:r>
+            <a:r>
+              <a:rPr lang="en-US" sz="2000" dirty="0">
+                <a:solidFill>
+                  <a:srgbClr val="0000CD"/>
+                </a:solidFill>
+                <a:latin typeface="Consolas" panose="020B0609020204030204" pitchFamily="49" charset="0"/>
+              </a:rPr>
+              <a:t>&lt;</a:t>
+            </a:r>
+            <a:r>
+              <a:rPr lang="en-US" sz="2000" dirty="0" err="1">
+                <a:solidFill>
+                  <a:srgbClr val="A52A2A"/>
+                </a:solidFill>
+                <a:latin typeface="Consolas" panose="020B0609020204030204" pitchFamily="49" charset="0"/>
+              </a:rPr>
+              <a:t>xs:element</a:t>
+            </a:r>
+            <a:r>
+              <a:rPr lang="en-US" sz="2000" dirty="0">
+                <a:solidFill>
+                  <a:srgbClr val="FF0000"/>
+                </a:solidFill>
+                <a:latin typeface="Consolas" panose="020B0609020204030204" pitchFamily="49" charset="0"/>
+              </a:rPr>
+              <a:t> name</a:t>
+            </a:r>
+            <a:r>
+              <a:rPr lang="en-US" sz="2000" dirty="0">
+                <a:solidFill>
+                  <a:srgbClr val="0000CD"/>
+                </a:solidFill>
+                <a:latin typeface="Consolas" panose="020B0609020204030204" pitchFamily="49" charset="0"/>
+              </a:rPr>
+              <a:t>="to"</a:t>
+            </a:r>
+            <a:r>
+              <a:rPr lang="en-US" sz="2000" dirty="0">
+                <a:solidFill>
+                  <a:srgbClr val="FF0000"/>
+                </a:solidFill>
+                <a:latin typeface="Consolas" panose="020B0609020204030204" pitchFamily="49" charset="0"/>
+              </a:rPr>
+              <a:t> type</a:t>
+            </a:r>
+            <a:r>
+              <a:rPr lang="en-US" sz="2000" dirty="0">
+                <a:solidFill>
+                  <a:srgbClr val="0000CD"/>
+                </a:solidFill>
+                <a:latin typeface="Consolas" panose="020B0609020204030204" pitchFamily="49" charset="0"/>
+              </a:rPr>
+              <a:t>="</a:t>
+            </a:r>
+            <a:r>
+              <a:rPr lang="en-US" sz="2000" dirty="0" err="1">
+                <a:solidFill>
+                  <a:srgbClr val="0000CD"/>
+                </a:solidFill>
+                <a:latin typeface="Consolas" panose="020B0609020204030204" pitchFamily="49" charset="0"/>
+              </a:rPr>
+              <a:t>xs:string</a:t>
+            </a:r>
+            <a:r>
+              <a:rPr lang="en-US" sz="2000" dirty="0">
+                <a:solidFill>
+                  <a:srgbClr val="0000CD"/>
+                </a:solidFill>
+                <a:latin typeface="Consolas" panose="020B0609020204030204" pitchFamily="49" charset="0"/>
+              </a:rPr>
+              <a:t>"</a:t>
+            </a:r>
+            <a:r>
+              <a:rPr lang="en-US" sz="2000" dirty="0">
+                <a:solidFill>
+                  <a:srgbClr val="FF0000"/>
+                </a:solidFill>
+                <a:latin typeface="Consolas" panose="020B0609020204030204" pitchFamily="49" charset="0"/>
+              </a:rPr>
+              <a:t>/</a:t>
+            </a:r>
+            <a:r>
+              <a:rPr lang="en-US" sz="2000" dirty="0">
+                <a:solidFill>
+                  <a:srgbClr val="0000CD"/>
+                </a:solidFill>
+                <a:latin typeface="Consolas" panose="020B0609020204030204" pitchFamily="49" charset="0"/>
+              </a:rPr>
+              <a:t>&gt;</a:t>
+            </a:r>
+            <a:br>
+              <a:rPr lang="en-US" sz="2000" dirty="0"/>
+            </a:br>
+            <a:r>
+              <a:rPr lang="en-US" sz="2000" dirty="0">
+                <a:solidFill>
+                  <a:srgbClr val="000000"/>
+                </a:solidFill>
+                <a:latin typeface="Consolas" panose="020B0609020204030204" pitchFamily="49" charset="0"/>
+              </a:rPr>
+              <a:t>      </a:t>
+            </a:r>
+            <a:r>
+              <a:rPr lang="en-US" sz="2000" dirty="0">
+                <a:solidFill>
+                  <a:srgbClr val="0000CD"/>
+                </a:solidFill>
+                <a:latin typeface="Consolas" panose="020B0609020204030204" pitchFamily="49" charset="0"/>
+              </a:rPr>
+              <a:t>&lt;</a:t>
+            </a:r>
+            <a:r>
+              <a:rPr lang="en-US" sz="2000" dirty="0" err="1">
+                <a:solidFill>
+                  <a:srgbClr val="A52A2A"/>
+                </a:solidFill>
+                <a:latin typeface="Consolas" panose="020B0609020204030204" pitchFamily="49" charset="0"/>
+              </a:rPr>
+              <a:t>xs:element</a:t>
+            </a:r>
+            <a:r>
+              <a:rPr lang="en-US" sz="2000" dirty="0">
+                <a:solidFill>
+                  <a:srgbClr val="FF0000"/>
+                </a:solidFill>
+                <a:latin typeface="Consolas" panose="020B0609020204030204" pitchFamily="49" charset="0"/>
+              </a:rPr>
+              <a:t> name</a:t>
+            </a:r>
+            <a:r>
+              <a:rPr lang="en-US" sz="2000" dirty="0">
+                <a:solidFill>
+                  <a:srgbClr val="0000CD"/>
+                </a:solidFill>
+                <a:latin typeface="Consolas" panose="020B0609020204030204" pitchFamily="49" charset="0"/>
+              </a:rPr>
+              <a:t>="from"</a:t>
+            </a:r>
+            <a:r>
+              <a:rPr lang="en-US" sz="2000" dirty="0">
+                <a:solidFill>
+                  <a:srgbClr val="FF0000"/>
+                </a:solidFill>
+                <a:latin typeface="Consolas" panose="020B0609020204030204" pitchFamily="49" charset="0"/>
+              </a:rPr>
+              <a:t> type</a:t>
+            </a:r>
+            <a:r>
+              <a:rPr lang="en-US" sz="2000" dirty="0">
+                <a:solidFill>
+                  <a:srgbClr val="0000CD"/>
+                </a:solidFill>
+                <a:latin typeface="Consolas" panose="020B0609020204030204" pitchFamily="49" charset="0"/>
+              </a:rPr>
+              <a:t>="</a:t>
+            </a:r>
+            <a:r>
+              <a:rPr lang="en-US" sz="2000" dirty="0" err="1">
+                <a:solidFill>
+                  <a:srgbClr val="0000CD"/>
+                </a:solidFill>
+                <a:latin typeface="Consolas" panose="020B0609020204030204" pitchFamily="49" charset="0"/>
+              </a:rPr>
+              <a:t>xs:string</a:t>
+            </a:r>
+            <a:r>
+              <a:rPr lang="en-US" sz="2000" dirty="0">
+                <a:solidFill>
+                  <a:srgbClr val="0000CD"/>
+                </a:solidFill>
+                <a:latin typeface="Consolas" panose="020B0609020204030204" pitchFamily="49" charset="0"/>
+              </a:rPr>
+              <a:t>"</a:t>
+            </a:r>
+            <a:r>
+              <a:rPr lang="en-US" sz="2000" dirty="0">
+                <a:solidFill>
+                  <a:srgbClr val="FF0000"/>
+                </a:solidFill>
+                <a:latin typeface="Consolas" panose="020B0609020204030204" pitchFamily="49" charset="0"/>
+              </a:rPr>
+              <a:t>/</a:t>
+            </a:r>
+            <a:r>
+              <a:rPr lang="en-US" sz="2000" dirty="0">
+                <a:solidFill>
+                  <a:srgbClr val="0000CD"/>
+                </a:solidFill>
+                <a:latin typeface="Consolas" panose="020B0609020204030204" pitchFamily="49" charset="0"/>
+              </a:rPr>
+              <a:t>&gt;</a:t>
+            </a:r>
+            <a:br>
+              <a:rPr lang="en-US" sz="2000" dirty="0"/>
+            </a:br>
+            <a:r>
+              <a:rPr lang="en-US" sz="2000" dirty="0">
+                <a:solidFill>
+                  <a:srgbClr val="000000"/>
+                </a:solidFill>
+                <a:latin typeface="Consolas" panose="020B0609020204030204" pitchFamily="49" charset="0"/>
+              </a:rPr>
+              <a:t>      </a:t>
+            </a:r>
+            <a:r>
+              <a:rPr lang="en-US" sz="2000" dirty="0">
+                <a:solidFill>
+                  <a:srgbClr val="0000CD"/>
+                </a:solidFill>
+                <a:latin typeface="Consolas" panose="020B0609020204030204" pitchFamily="49" charset="0"/>
+              </a:rPr>
+              <a:t>&lt;</a:t>
+            </a:r>
+            <a:r>
+              <a:rPr lang="en-US" sz="2000" dirty="0" err="1">
+                <a:solidFill>
+                  <a:srgbClr val="A52A2A"/>
+                </a:solidFill>
+                <a:latin typeface="Consolas" panose="020B0609020204030204" pitchFamily="49" charset="0"/>
+              </a:rPr>
+              <a:t>xs:element</a:t>
+            </a:r>
+            <a:r>
+              <a:rPr lang="en-US" sz="2000" dirty="0">
+                <a:solidFill>
+                  <a:srgbClr val="FF0000"/>
+                </a:solidFill>
+                <a:latin typeface="Consolas" panose="020B0609020204030204" pitchFamily="49" charset="0"/>
+              </a:rPr>
+              <a:t> name</a:t>
+            </a:r>
+            <a:r>
+              <a:rPr lang="en-US" sz="2000" dirty="0">
+                <a:solidFill>
+                  <a:srgbClr val="0000CD"/>
+                </a:solidFill>
+                <a:latin typeface="Consolas" panose="020B0609020204030204" pitchFamily="49" charset="0"/>
+              </a:rPr>
+              <a:t>="heading"</a:t>
+            </a:r>
+            <a:r>
+              <a:rPr lang="en-US" sz="2000" dirty="0">
+                <a:solidFill>
+                  <a:srgbClr val="FF0000"/>
+                </a:solidFill>
+                <a:latin typeface="Consolas" panose="020B0609020204030204" pitchFamily="49" charset="0"/>
+              </a:rPr>
+              <a:t> type</a:t>
+            </a:r>
+            <a:r>
+              <a:rPr lang="en-US" sz="2000" dirty="0">
+                <a:solidFill>
+                  <a:srgbClr val="0000CD"/>
+                </a:solidFill>
+                <a:latin typeface="Consolas" panose="020B0609020204030204" pitchFamily="49" charset="0"/>
+              </a:rPr>
+              <a:t>="</a:t>
+            </a:r>
+            <a:r>
+              <a:rPr lang="en-US" sz="2000" dirty="0" err="1">
+                <a:solidFill>
+                  <a:srgbClr val="0000CD"/>
+                </a:solidFill>
+                <a:latin typeface="Consolas" panose="020B0609020204030204" pitchFamily="49" charset="0"/>
+              </a:rPr>
+              <a:t>xs:string</a:t>
+            </a:r>
+            <a:r>
+              <a:rPr lang="en-US" sz="2000" dirty="0">
+                <a:solidFill>
+                  <a:srgbClr val="0000CD"/>
+                </a:solidFill>
+                <a:latin typeface="Consolas" panose="020B0609020204030204" pitchFamily="49" charset="0"/>
+              </a:rPr>
+              <a:t>"</a:t>
+            </a:r>
+            <a:r>
+              <a:rPr lang="en-US" sz="2000" dirty="0">
+                <a:solidFill>
+                  <a:srgbClr val="FF0000"/>
+                </a:solidFill>
+                <a:latin typeface="Consolas" panose="020B0609020204030204" pitchFamily="49" charset="0"/>
+              </a:rPr>
+              <a:t>/</a:t>
+            </a:r>
+            <a:r>
+              <a:rPr lang="en-US" sz="2000" dirty="0">
+                <a:solidFill>
+                  <a:srgbClr val="0000CD"/>
+                </a:solidFill>
+                <a:latin typeface="Consolas" panose="020B0609020204030204" pitchFamily="49" charset="0"/>
+              </a:rPr>
+              <a:t>&gt;</a:t>
+            </a:r>
+            <a:br>
+              <a:rPr lang="en-US" sz="2000" dirty="0"/>
+            </a:br>
+            <a:r>
+              <a:rPr lang="en-US" sz="2000" dirty="0">
+                <a:solidFill>
+                  <a:srgbClr val="000000"/>
+                </a:solidFill>
+                <a:latin typeface="Consolas" panose="020B0609020204030204" pitchFamily="49" charset="0"/>
+              </a:rPr>
+              <a:t>      </a:t>
+            </a:r>
+            <a:r>
+              <a:rPr lang="en-US" sz="2000" dirty="0">
+                <a:solidFill>
+                  <a:srgbClr val="0000CD"/>
+                </a:solidFill>
+                <a:latin typeface="Consolas" panose="020B0609020204030204" pitchFamily="49" charset="0"/>
+              </a:rPr>
+              <a:t>&lt;</a:t>
+            </a:r>
+            <a:r>
+              <a:rPr lang="en-US" sz="2000" dirty="0" err="1">
+                <a:solidFill>
+                  <a:srgbClr val="A52A2A"/>
+                </a:solidFill>
+                <a:latin typeface="Consolas" panose="020B0609020204030204" pitchFamily="49" charset="0"/>
+              </a:rPr>
+              <a:t>xs:element</a:t>
+            </a:r>
+            <a:r>
+              <a:rPr lang="en-US" sz="2000" dirty="0">
+                <a:solidFill>
+                  <a:srgbClr val="FF0000"/>
+                </a:solidFill>
+                <a:latin typeface="Consolas" panose="020B0609020204030204" pitchFamily="49" charset="0"/>
+              </a:rPr>
+              <a:t> name</a:t>
+            </a:r>
+            <a:r>
+              <a:rPr lang="en-US" sz="2000" dirty="0">
+                <a:solidFill>
+                  <a:srgbClr val="0000CD"/>
+                </a:solidFill>
+                <a:latin typeface="Consolas" panose="020B0609020204030204" pitchFamily="49" charset="0"/>
+              </a:rPr>
+              <a:t>="body"</a:t>
+            </a:r>
+            <a:r>
+              <a:rPr lang="en-US" sz="2000" dirty="0">
+                <a:solidFill>
+                  <a:srgbClr val="FF0000"/>
+                </a:solidFill>
+                <a:latin typeface="Consolas" panose="020B0609020204030204" pitchFamily="49" charset="0"/>
+              </a:rPr>
+              <a:t> type</a:t>
+            </a:r>
+            <a:r>
+              <a:rPr lang="en-US" sz="2000" dirty="0">
+                <a:solidFill>
+                  <a:srgbClr val="0000CD"/>
+                </a:solidFill>
+                <a:latin typeface="Consolas" panose="020B0609020204030204" pitchFamily="49" charset="0"/>
+              </a:rPr>
+              <a:t>="</a:t>
+            </a:r>
+            <a:r>
+              <a:rPr lang="en-US" sz="2000" dirty="0" err="1">
+                <a:solidFill>
+                  <a:srgbClr val="0000CD"/>
+                </a:solidFill>
+                <a:latin typeface="Consolas" panose="020B0609020204030204" pitchFamily="49" charset="0"/>
+              </a:rPr>
+              <a:t>xs:string</a:t>
+            </a:r>
+            <a:r>
+              <a:rPr lang="en-US" sz="2000" dirty="0">
+                <a:solidFill>
+                  <a:srgbClr val="0000CD"/>
+                </a:solidFill>
+                <a:latin typeface="Consolas" panose="020B0609020204030204" pitchFamily="49" charset="0"/>
+              </a:rPr>
+              <a:t>"</a:t>
+            </a:r>
+            <a:r>
+              <a:rPr lang="en-US" sz="2000" dirty="0">
+                <a:solidFill>
+                  <a:srgbClr val="FF0000"/>
+                </a:solidFill>
+                <a:latin typeface="Consolas" panose="020B0609020204030204" pitchFamily="49" charset="0"/>
+              </a:rPr>
+              <a:t>/</a:t>
+            </a:r>
+            <a:r>
+              <a:rPr lang="en-US" sz="2000" dirty="0">
+                <a:solidFill>
+                  <a:srgbClr val="0000CD"/>
+                </a:solidFill>
+                <a:latin typeface="Consolas" panose="020B0609020204030204" pitchFamily="49" charset="0"/>
+              </a:rPr>
+              <a:t>&gt;</a:t>
+            </a:r>
+            <a:br>
+              <a:rPr lang="en-US" sz="2000" dirty="0"/>
+            </a:br>
+            <a:r>
+              <a:rPr lang="en-US" sz="2000" dirty="0">
+                <a:solidFill>
+                  <a:srgbClr val="000000"/>
+                </a:solidFill>
+                <a:latin typeface="Consolas" panose="020B0609020204030204" pitchFamily="49" charset="0"/>
+              </a:rPr>
+              <a:t>    </a:t>
+            </a:r>
+            <a:r>
+              <a:rPr lang="en-US" sz="2000" dirty="0">
+                <a:solidFill>
+                  <a:srgbClr val="0000CD"/>
+                </a:solidFill>
+                <a:latin typeface="Consolas" panose="020B0609020204030204" pitchFamily="49" charset="0"/>
+              </a:rPr>
+              <a:t>&lt;</a:t>
+            </a:r>
+            <a:r>
+              <a:rPr lang="en-US" sz="2000" dirty="0">
+                <a:solidFill>
+                  <a:srgbClr val="A52A2A"/>
+                </a:solidFill>
+                <a:latin typeface="Consolas" panose="020B0609020204030204" pitchFamily="49" charset="0"/>
+              </a:rPr>
+              <a:t>/</a:t>
+            </a:r>
+            <a:r>
+              <a:rPr lang="en-US" sz="2000" dirty="0" err="1">
+                <a:solidFill>
+                  <a:srgbClr val="A52A2A"/>
+                </a:solidFill>
+                <a:latin typeface="Consolas" panose="020B0609020204030204" pitchFamily="49" charset="0"/>
+              </a:rPr>
+              <a:t>xs:sequence</a:t>
+            </a:r>
+            <a:r>
+              <a:rPr lang="en-US" sz="2000" dirty="0">
+                <a:solidFill>
+                  <a:srgbClr val="0000CD"/>
+                </a:solidFill>
+                <a:latin typeface="Consolas" panose="020B0609020204030204" pitchFamily="49" charset="0"/>
+              </a:rPr>
+              <a:t>&gt;</a:t>
+            </a:r>
+            <a:br>
+              <a:rPr lang="en-US" sz="2000" dirty="0"/>
+            </a:br>
+            <a:r>
+              <a:rPr lang="en-US" sz="2000" dirty="0">
+                <a:solidFill>
+                  <a:srgbClr val="000000"/>
+                </a:solidFill>
+                <a:latin typeface="Consolas" panose="020B0609020204030204" pitchFamily="49" charset="0"/>
+              </a:rPr>
+              <a:t>  </a:t>
+            </a:r>
+            <a:r>
+              <a:rPr lang="en-US" sz="2000" dirty="0">
+                <a:solidFill>
+                  <a:srgbClr val="0000CD"/>
+                </a:solidFill>
+                <a:latin typeface="Consolas" panose="020B0609020204030204" pitchFamily="49" charset="0"/>
+              </a:rPr>
+              <a:t>&lt;</a:t>
+            </a:r>
+            <a:r>
+              <a:rPr lang="en-US" sz="2000" dirty="0">
+                <a:solidFill>
+                  <a:srgbClr val="A52A2A"/>
+                </a:solidFill>
+                <a:latin typeface="Consolas" panose="020B0609020204030204" pitchFamily="49" charset="0"/>
+              </a:rPr>
+              <a:t>/</a:t>
+            </a:r>
+            <a:r>
+              <a:rPr lang="en-US" sz="2000" dirty="0" err="1">
+                <a:solidFill>
+                  <a:srgbClr val="A52A2A"/>
+                </a:solidFill>
+                <a:latin typeface="Consolas" panose="020B0609020204030204" pitchFamily="49" charset="0"/>
+              </a:rPr>
+              <a:t>xs:complexType</a:t>
+            </a:r>
+            <a:r>
+              <a:rPr lang="en-US" sz="2000" dirty="0">
+                <a:solidFill>
+                  <a:srgbClr val="0000CD"/>
+                </a:solidFill>
+                <a:latin typeface="Consolas" panose="020B0609020204030204" pitchFamily="49" charset="0"/>
+              </a:rPr>
+              <a:t>&gt;</a:t>
+            </a:r>
+            <a:br>
+              <a:rPr lang="en-US" sz="2000" dirty="0"/>
+            </a:br>
+            <a:r>
+              <a:rPr lang="en-US" sz="2000" dirty="0">
+                <a:solidFill>
+                  <a:srgbClr val="0000CD"/>
+                </a:solidFill>
+                <a:latin typeface="Consolas" panose="020B0609020204030204" pitchFamily="49" charset="0"/>
+              </a:rPr>
+              <a:t>&lt;</a:t>
+            </a:r>
+            <a:r>
+              <a:rPr lang="en-US" sz="2000" dirty="0">
+                <a:solidFill>
+                  <a:srgbClr val="A52A2A"/>
+                </a:solidFill>
+                <a:latin typeface="Consolas" panose="020B0609020204030204" pitchFamily="49" charset="0"/>
+              </a:rPr>
+              <a:t>/</a:t>
+            </a:r>
+            <a:r>
+              <a:rPr lang="en-US" sz="2000" dirty="0" err="1">
+                <a:solidFill>
+                  <a:srgbClr val="A52A2A"/>
+                </a:solidFill>
+                <a:latin typeface="Consolas" panose="020B0609020204030204" pitchFamily="49" charset="0"/>
+              </a:rPr>
+              <a:t>xs:element</a:t>
+            </a:r>
+            <a:r>
+              <a:rPr lang="en-US" sz="2000" dirty="0">
+                <a:solidFill>
+                  <a:srgbClr val="0000CD"/>
+                </a:solidFill>
+                <a:latin typeface="Consolas" panose="020B0609020204030204" pitchFamily="49" charset="0"/>
+              </a:rPr>
+              <a:t>&gt;</a:t>
+            </a:r>
+            <a:br>
+              <a:rPr lang="en-US" sz="2000" dirty="0"/>
+            </a:br>
+            <a:br>
+              <a:rPr lang="en-US" sz="2000" dirty="0"/>
+            </a:br>
+            <a:r>
+              <a:rPr lang="en-US" sz="2000" dirty="0">
+                <a:solidFill>
+                  <a:srgbClr val="0000CD"/>
+                </a:solidFill>
+                <a:latin typeface="Consolas" panose="020B0609020204030204" pitchFamily="49" charset="0"/>
+              </a:rPr>
+              <a:t>&lt;</a:t>
+            </a:r>
+            <a:r>
+              <a:rPr lang="en-US" sz="2000" dirty="0">
+                <a:solidFill>
+                  <a:srgbClr val="A52A2A"/>
+                </a:solidFill>
+                <a:latin typeface="Consolas" panose="020B0609020204030204" pitchFamily="49" charset="0"/>
+              </a:rPr>
+              <a:t>/</a:t>
+            </a:r>
+            <a:r>
+              <a:rPr lang="en-US" sz="2000" dirty="0" err="1">
+                <a:solidFill>
+                  <a:srgbClr val="A52A2A"/>
+                </a:solidFill>
+                <a:latin typeface="Consolas" panose="020B0609020204030204" pitchFamily="49" charset="0"/>
+              </a:rPr>
+              <a:t>xs:schema</a:t>
+            </a:r>
+            <a:r>
+              <a:rPr lang="en-US" sz="2000" dirty="0">
+                <a:solidFill>
+                  <a:srgbClr val="0000CD"/>
+                </a:solidFill>
+                <a:latin typeface="Consolas" panose="020B0609020204030204" pitchFamily="49" charset="0"/>
+              </a:rPr>
+              <a:t>&gt;</a:t>
+            </a:r>
+            <a:endParaRPr lang="en-US" sz="2000" dirty="0"/>
+          </a:p>
+        </p:txBody>
+      </p:sp>
+      <p:sp>
+        <p:nvSpPr>
+          <p:cNvPr id="4" name="Footer Placeholder 3">
+            <a:extLst>
+              <a:ext uri="{FF2B5EF4-FFF2-40B4-BE49-F238E27FC236}">
+                <a16:creationId xmlns:a16="http://schemas.microsoft.com/office/drawing/2014/main" id="{203EAF56-6955-4DC5-82BF-2337E0406AD3}"/>
+              </a:ext>
+            </a:extLst>
+          </p:cNvPr>
+          <p:cNvSpPr>
+            <a:spLocks noGrp="1"/>
+          </p:cNvSpPr>
+          <p:nvPr>
+            <p:ph type="ftr" sz="quarter" idx="11"/>
+          </p:nvPr>
+        </p:nvSpPr>
+        <p:spPr/>
+        <p:txBody>
+          <a:bodyPr/>
+          <a:lstStyle/>
+          <a:p>
+            <a:r>
+              <a:rPr lang="en-US"/>
+              <a:t>Prepared By Sir Ebad Uddin Ahmed</a:t>
+            </a:r>
+          </a:p>
+        </p:txBody>
+      </p:sp>
+      <p:sp>
+        <p:nvSpPr>
+          <p:cNvPr id="5" name="Slide Number Placeholder 4">
+            <a:extLst>
+              <a:ext uri="{FF2B5EF4-FFF2-40B4-BE49-F238E27FC236}">
+                <a16:creationId xmlns:a16="http://schemas.microsoft.com/office/drawing/2014/main" id="{DB1975B5-552B-46B6-AD60-9A6A58170E92}"/>
+              </a:ext>
+            </a:extLst>
+          </p:cNvPr>
+          <p:cNvSpPr>
+            <a:spLocks noGrp="1"/>
+          </p:cNvSpPr>
+          <p:nvPr>
+            <p:ph type="sldNum" sz="quarter" idx="12"/>
+          </p:nvPr>
+        </p:nvSpPr>
+        <p:spPr/>
+        <p:txBody>
+          <a:bodyPr/>
+          <a:lstStyle/>
+          <a:p>
+            <a:fld id="{BBFB9156-188D-4255-B334-F67017332DBA}" type="slidenum">
+              <a:rPr lang="en-US" smtClean="0"/>
+              <a:t>27</a:t>
+            </a:fld>
+            <a:endParaRPr lang="en-US"/>
+          </a:p>
+        </p:txBody>
+      </p:sp>
+    </p:spTree>
+    <p:extLst>
+      <p:ext uri="{BB962C8B-B14F-4D97-AF65-F5344CB8AC3E}">
+        <p14:creationId xmlns:p14="http://schemas.microsoft.com/office/powerpoint/2010/main" val="1226360909"/>
+      </p:ext>
+    </p:extLst>
+  </p:cSld>
+  <p:clrMapOvr>
+    <a:masterClrMapping/>
+  </p:clrMapOvr>
+</p:sld>
+</file>
+
+<file path=ppt/slides/slide28.xml><?xml version="1.0" encoding="utf-8"?>
+<p:sld xmlns:a="http://schemas.openxmlformats.org/drawingml/2006/main" xmlns:r="http://schemas.openxmlformats.org/officeDocument/2006/relationships" xmlns:p="http://schemas.openxmlformats.org/presentationml/2006/main">
+  <p:cSld>
+    <p:spTree>
+      <p:nvGrpSpPr>
+        <p:cNvPr id="1" name=""/>
+        <p:cNvGrpSpPr/>
+        <p:nvPr/>
+      </p:nvGrpSpPr>
+      <p:grpSpPr>
+        <a:xfrm>
+          <a:off x="0" y="0"/>
+          <a:ext cx="0" cy="0"/>
+          <a:chOff x="0" y="0"/>
+          <a:chExt cx="0" cy="0"/>
+        </a:xfrm>
+      </p:grpSpPr>
+      <p:sp>
+        <p:nvSpPr>
+          <p:cNvPr id="3" name="Content Placeholder 2">
+            <a:extLst>
+              <a:ext uri="{FF2B5EF4-FFF2-40B4-BE49-F238E27FC236}">
                 <a16:creationId xmlns:a16="http://schemas.microsoft.com/office/drawing/2014/main" id="{60BDA312-6A5A-4B20-B443-463FAF344BB8}"/>
               </a:ext>
             </a:extLst>
@@ -11494,184 +12827,9 @@
         </p:spPr>
         <p:txBody>
           <a:bodyPr>
-            <a:normAutofit fontScale="77500" lnSpcReduction="20000"/>
+            <a:normAutofit/>
           </a:bodyPr>
           <a:lstStyle/>
-          <a:p>
-            <a:r>
-              <a:rPr lang="en-US" dirty="0"/>
-              <a:t>The Schema above is interpreted like this:</a:t>
-            </a:r>
-          </a:p>
-          <a:p>
-            <a:r>
-              <a:rPr lang="en-US" dirty="0"/>
-              <a:t>&lt;</a:t>
-            </a:r>
-            <a:r>
-              <a:rPr lang="en-US" dirty="0" err="1"/>
-              <a:t>xs:element</a:t>
-            </a:r>
-            <a:r>
-              <a:rPr lang="en-US" dirty="0"/>
-              <a:t> name="note"&gt; defines the element called "note"</a:t>
-            </a:r>
-          </a:p>
-          <a:p>
-            <a:r>
-              <a:rPr lang="en-US" dirty="0"/>
-              <a:t>&lt;</a:t>
-            </a:r>
-            <a:r>
-              <a:rPr lang="en-US" dirty="0" err="1"/>
-              <a:t>xs:complexType</a:t>
-            </a:r>
-            <a:r>
-              <a:rPr lang="en-US" dirty="0"/>
-              <a:t>&gt; the "note" element is a complex type</a:t>
-            </a:r>
-          </a:p>
-          <a:p>
-            <a:r>
-              <a:rPr lang="en-US" dirty="0"/>
-              <a:t>&lt;</a:t>
-            </a:r>
-            <a:r>
-              <a:rPr lang="en-US" dirty="0" err="1"/>
-              <a:t>xs:sequence</a:t>
-            </a:r>
-            <a:r>
-              <a:rPr lang="en-US" dirty="0"/>
-              <a:t>&gt; the complex type is a sequence of elements</a:t>
-            </a:r>
-          </a:p>
-          <a:p>
-            <a:r>
-              <a:rPr lang="en-US" dirty="0"/>
-              <a:t>&lt;</a:t>
-            </a:r>
-            <a:r>
-              <a:rPr lang="en-US" dirty="0" err="1"/>
-              <a:t>xs:element</a:t>
-            </a:r>
-            <a:r>
-              <a:rPr lang="en-US" dirty="0"/>
-              <a:t> name="to" type="</a:t>
-            </a:r>
-            <a:r>
-              <a:rPr lang="en-US" dirty="0" err="1"/>
-              <a:t>xs:string</a:t>
-            </a:r>
-            <a:r>
-              <a:rPr lang="en-US" dirty="0"/>
-              <a:t>"&gt; the element "to" is of type string (text)</a:t>
-            </a:r>
-          </a:p>
-          <a:p>
-            <a:r>
-              <a:rPr lang="en-US" dirty="0"/>
-              <a:t>&lt;</a:t>
-            </a:r>
-            <a:r>
-              <a:rPr lang="en-US" dirty="0" err="1"/>
-              <a:t>xs:element</a:t>
-            </a:r>
-            <a:r>
-              <a:rPr lang="en-US" dirty="0"/>
-              <a:t> name="from" type="</a:t>
-            </a:r>
-            <a:r>
-              <a:rPr lang="en-US" dirty="0" err="1"/>
-              <a:t>xs:string</a:t>
-            </a:r>
-            <a:r>
-              <a:rPr lang="en-US" dirty="0"/>
-              <a:t>"&gt; the element "from" is of type string</a:t>
-            </a:r>
-          </a:p>
-          <a:p>
-            <a:r>
-              <a:rPr lang="en-US" dirty="0"/>
-              <a:t>&lt;</a:t>
-            </a:r>
-            <a:r>
-              <a:rPr lang="en-US" dirty="0" err="1"/>
-              <a:t>xs:element</a:t>
-            </a:r>
-            <a:r>
-              <a:rPr lang="en-US" dirty="0"/>
-              <a:t> name="heading" type="</a:t>
-            </a:r>
-            <a:r>
-              <a:rPr lang="en-US" dirty="0" err="1"/>
-              <a:t>xs:string</a:t>
-            </a:r>
-            <a:r>
-              <a:rPr lang="en-US" dirty="0"/>
-              <a:t>"&gt; the element "heading" is of type string</a:t>
-            </a:r>
-          </a:p>
-          <a:p>
-            <a:r>
-              <a:rPr lang="en-US" dirty="0"/>
-              <a:t>&lt;</a:t>
-            </a:r>
-            <a:r>
-              <a:rPr lang="en-US" dirty="0" err="1"/>
-              <a:t>xs:element</a:t>
-            </a:r>
-            <a:r>
-              <a:rPr lang="en-US" dirty="0"/>
-              <a:t> name="body" type="</a:t>
-            </a:r>
-            <a:r>
-              <a:rPr lang="en-US" dirty="0" err="1"/>
-              <a:t>xs:string</a:t>
-            </a:r>
-            <a:r>
-              <a:rPr lang="en-US" dirty="0"/>
-              <a:t>"&gt; the element "body" is of type string.</a:t>
-            </a:r>
-          </a:p>
-          <a:p>
-            <a:pPr marL="0" indent="0">
-              <a:buNone/>
-            </a:pPr>
-            <a:endParaRPr lang="en-US" dirty="0"/>
-          </a:p>
-          <a:p>
-            <a:pPr marL="0" indent="0">
-              <a:buNone/>
-            </a:pPr>
-            <a:r>
-              <a:rPr lang="en-US" dirty="0"/>
-              <a:t>XML Schemas are More Powerful than DTD</a:t>
-            </a:r>
-          </a:p>
-          <a:p>
-            <a:r>
-              <a:rPr lang="en-US" dirty="0"/>
-              <a:t>XML Schemas are written in XML</a:t>
-            </a:r>
-          </a:p>
-          <a:p>
-            <a:r>
-              <a:rPr lang="en-US" dirty="0"/>
-              <a:t>XML Schemas are extensible to additions</a:t>
-            </a:r>
-          </a:p>
-          <a:p>
-            <a:r>
-              <a:rPr lang="en-US" dirty="0"/>
-              <a:t>XML Schemas support data types</a:t>
-            </a:r>
-          </a:p>
-          <a:p>
-            <a:r>
-              <a:rPr lang="en-US" dirty="0"/>
-              <a:t>XML Schemas support namespaces</a:t>
-            </a:r>
-          </a:p>
           <a:p>
             <a:pPr marL="0" indent="0">
               <a:buNone/>
@@ -11734,9 +12892,228 @@
           <a:p>
             <a:fld id="{BBFB9156-188D-4255-B334-F67017332DBA}" type="slidenum">
               <a:rPr lang="en-US" smtClean="0"/>
-              <a:t>27</a:t>
+              <a:t>28</a:t>
             </a:fld>
             <a:endParaRPr lang="en-US"/>
+          </a:p>
+        </p:txBody>
+      </p:sp>
+      <p:sp>
+        <p:nvSpPr>
+          <p:cNvPr id="6" name="Rectangle 5">
+            <a:extLst>
+              <a:ext uri="{FF2B5EF4-FFF2-40B4-BE49-F238E27FC236}">
+                <a16:creationId xmlns:a16="http://schemas.microsoft.com/office/drawing/2014/main" id="{18E4C723-0F8B-4DB9-AFCA-5F526C1533C3}"/>
+              </a:ext>
+            </a:extLst>
+          </p:cNvPr>
+          <p:cNvSpPr/>
+          <p:nvPr/>
+        </p:nvSpPr>
+        <p:spPr>
+          <a:xfrm>
+            <a:off x="304800" y="67253"/>
+            <a:ext cx="11734800" cy="7571303"/>
+          </a:xfrm>
+          <a:prstGeom prst="rect">
+            <a:avLst/>
+          </a:prstGeom>
+        </p:spPr>
+        <p:txBody>
+          <a:bodyPr wrap="square">
+            <a:spAutoFit/>
+          </a:bodyPr>
+          <a:lstStyle/>
+          <a:p>
+            <a:r>
+              <a:rPr lang="en-US" dirty="0">
+                <a:solidFill>
+                  <a:srgbClr val="000000"/>
+                </a:solidFill>
+                <a:latin typeface="Verdana" panose="020B0604030504040204" pitchFamily="34" charset="0"/>
+              </a:rPr>
+              <a:t>The note element is a </a:t>
+            </a:r>
+            <a:r>
+              <a:rPr lang="en-US" b="1" dirty="0">
+                <a:solidFill>
+                  <a:srgbClr val="000000"/>
+                </a:solidFill>
+                <a:latin typeface="Verdana" panose="020B0604030504040204" pitchFamily="34" charset="0"/>
+              </a:rPr>
+              <a:t>complex type</a:t>
+            </a:r>
+            <a:r>
+              <a:rPr lang="en-US" dirty="0">
+                <a:solidFill>
+                  <a:srgbClr val="000000"/>
+                </a:solidFill>
+                <a:latin typeface="Verdana" panose="020B0604030504040204" pitchFamily="34" charset="0"/>
+              </a:rPr>
+              <a:t> because it contains other elements. The other elements (to, from, heading, body) are </a:t>
+            </a:r>
+            <a:r>
+              <a:rPr lang="en-US" b="1" dirty="0">
+                <a:solidFill>
+                  <a:srgbClr val="000000"/>
+                </a:solidFill>
+                <a:latin typeface="Verdana" panose="020B0604030504040204" pitchFamily="34" charset="0"/>
+              </a:rPr>
+              <a:t>simple types</a:t>
+            </a:r>
+            <a:r>
+              <a:rPr lang="en-US" dirty="0">
+                <a:solidFill>
+                  <a:srgbClr val="000000"/>
+                </a:solidFill>
+                <a:latin typeface="Verdana" panose="020B0604030504040204" pitchFamily="34" charset="0"/>
+              </a:rPr>
+              <a:t> because they do not contain other elements. You will learn more about simple and complex types in the following chapters.</a:t>
+            </a:r>
+          </a:p>
+          <a:p>
+            <a:endParaRPr lang="en-US" dirty="0">
+              <a:solidFill>
+                <a:srgbClr val="000000"/>
+              </a:solidFill>
+              <a:latin typeface="Verdana" panose="020B0604030504040204" pitchFamily="34" charset="0"/>
+            </a:endParaRPr>
+          </a:p>
+          <a:p>
+            <a:pPr marL="285750" indent="-285750">
+              <a:buFont typeface="Arial" panose="020B0604020202020204" pitchFamily="34" charset="0"/>
+              <a:buChar char="•"/>
+            </a:pPr>
+            <a:r>
+              <a:rPr lang="en-US" dirty="0"/>
+              <a:t>This XML document has a reference to an XML Schema:</a:t>
+            </a:r>
+          </a:p>
+          <a:p>
+            <a:endParaRPr lang="en-US" dirty="0"/>
+          </a:p>
+          <a:p>
+            <a:r>
+              <a:rPr lang="en-US" dirty="0"/>
+              <a:t>&lt;?xml version="1.0"?&gt;</a:t>
+            </a:r>
+            <a:br>
+              <a:rPr lang="en-US" dirty="0"/>
+            </a:br>
+            <a:br>
+              <a:rPr lang="en-US" dirty="0"/>
+            </a:br>
+            <a:r>
+              <a:rPr lang="en-US" dirty="0"/>
+              <a:t>&lt;note</a:t>
+            </a:r>
+            <a:br>
+              <a:rPr lang="en-US" dirty="0"/>
+            </a:br>
+            <a:r>
+              <a:rPr lang="en-US" dirty="0" err="1"/>
+              <a:t>xmlns</a:t>
+            </a:r>
+            <a:r>
+              <a:rPr lang="en-US" dirty="0"/>
+              <a:t>="https://www.w3schools.com"</a:t>
+            </a:r>
+            <a:br>
+              <a:rPr lang="en-US" dirty="0"/>
+            </a:br>
+            <a:r>
+              <a:rPr lang="en-US" dirty="0" err="1"/>
+              <a:t>xmlns:xsi</a:t>
+            </a:r>
+            <a:r>
+              <a:rPr lang="en-US" dirty="0"/>
+              <a:t>="http://www.w3.org/2001/XMLSchema-instance"</a:t>
+            </a:r>
+            <a:br>
+              <a:rPr lang="en-US" dirty="0"/>
+            </a:br>
+            <a:r>
+              <a:rPr lang="en-US" dirty="0" err="1"/>
+              <a:t>xsi:schemaLocation</a:t>
+            </a:r>
+            <a:r>
+              <a:rPr lang="en-US" dirty="0"/>
+              <a:t>="https://www.w3schools.com/xml note.xsd"&gt;</a:t>
+            </a:r>
+            <a:br>
+              <a:rPr lang="en-US" dirty="0"/>
+            </a:br>
+            <a:r>
+              <a:rPr lang="en-US" dirty="0"/>
+              <a:t>  &lt;to&gt;</a:t>
+            </a:r>
+            <a:r>
+              <a:rPr lang="en-US" dirty="0" err="1"/>
+              <a:t>Tove</a:t>
+            </a:r>
+            <a:r>
+              <a:rPr lang="en-US" dirty="0"/>
+              <a:t>&lt;/to&gt;</a:t>
+            </a:r>
+            <a:br>
+              <a:rPr lang="en-US" dirty="0"/>
+            </a:br>
+            <a:r>
+              <a:rPr lang="en-US" dirty="0"/>
+              <a:t>  &lt;from&gt;Jani&lt;/from&gt;</a:t>
+            </a:r>
+            <a:br>
+              <a:rPr lang="en-US" dirty="0"/>
+            </a:br>
+            <a:r>
+              <a:rPr lang="en-US" dirty="0"/>
+              <a:t>  &lt;heading&gt;Reminder&lt;/heading&gt;</a:t>
+            </a:r>
+            <a:br>
+              <a:rPr lang="en-US" dirty="0"/>
+            </a:br>
+            <a:r>
+              <a:rPr lang="en-US" dirty="0"/>
+              <a:t>  &lt;body&gt;Don't forget me this weekend!&lt;/body&gt;</a:t>
+            </a:r>
+            <a:br>
+              <a:rPr lang="en-US" dirty="0"/>
+            </a:br>
+            <a:r>
+              <a:rPr lang="en-US" dirty="0"/>
+              <a:t>&lt;/note&gt;</a:t>
+            </a:r>
+          </a:p>
+          <a:p>
+            <a:endParaRPr lang="en-US" dirty="0"/>
+          </a:p>
+          <a:p>
+            <a:pPr marL="285750" indent="-285750">
+              <a:buFont typeface="Arial" panose="020B0604020202020204" pitchFamily="34" charset="0"/>
+              <a:buChar char="•"/>
+            </a:pPr>
+            <a:r>
+              <a:rPr lang="en-US" dirty="0"/>
+              <a:t>The &lt;schema&gt; element is the root element of every XML Schema. The &lt;schema&gt; element may contain some attributes. A schema declaration often looks something like this:</a:t>
+            </a:r>
+          </a:p>
+          <a:p>
+            <a:br>
+              <a:rPr lang="en-US" dirty="0"/>
+            </a:br>
+            <a:endParaRPr lang="en-US" dirty="0"/>
+          </a:p>
+          <a:p>
+            <a:br>
+              <a:rPr lang="en-US" dirty="0"/>
+            </a:br>
+            <a:endParaRPr lang="en-US" dirty="0"/>
+          </a:p>
+          <a:p>
+            <a:br>
+              <a:rPr lang="en-US" dirty="0"/>
+            </a:br>
+            <a:endParaRPr lang="en-US" dirty="0"/>
           </a:p>
         </p:txBody>
       </p:sp>
@@ -11744,6 +13121,371 @@
     <p:extLst>
       <p:ext uri="{BB962C8B-B14F-4D97-AF65-F5344CB8AC3E}">
         <p14:creationId xmlns:p14="http://schemas.microsoft.com/office/powerpoint/2010/main" val="1862491664"/>
+      </p:ext>
+    </p:extLst>
+  </p:cSld>
+  <p:clrMapOvr>
+    <a:masterClrMapping/>
+  </p:clrMapOvr>
+</p:sld>
+</file>
+
+<file path=ppt/slides/slide29.xml><?xml version="1.0" encoding="utf-8"?>
+<p:sld xmlns:a="http://schemas.openxmlformats.org/drawingml/2006/main" xmlns:r="http://schemas.openxmlformats.org/officeDocument/2006/relationships" xmlns:p="http://schemas.openxmlformats.org/presentationml/2006/main">
+  <p:cSld>
+    <p:spTree>
+      <p:nvGrpSpPr>
+        <p:cNvPr id="1" name=""/>
+        <p:cNvGrpSpPr/>
+        <p:nvPr/>
+      </p:nvGrpSpPr>
+      <p:grpSpPr>
+        <a:xfrm>
+          <a:off x="0" y="0"/>
+          <a:ext cx="0" cy="0"/>
+          <a:chOff x="0" y="0"/>
+          <a:chExt cx="0" cy="0"/>
+        </a:xfrm>
+      </p:grpSpPr>
+      <p:sp>
+        <p:nvSpPr>
+          <p:cNvPr id="3" name="Content Placeholder 2">
+            <a:extLst>
+              <a:ext uri="{FF2B5EF4-FFF2-40B4-BE49-F238E27FC236}">
+                <a16:creationId xmlns:a16="http://schemas.microsoft.com/office/drawing/2014/main" id="{DAF9F8E7-9D4E-4228-AA7A-6B8E9AC89F1C}"/>
+              </a:ext>
+            </a:extLst>
+          </p:cNvPr>
+          <p:cNvSpPr>
+            <a:spLocks noGrp="1"/>
+          </p:cNvSpPr>
+          <p:nvPr>
+            <p:ph idx="1"/>
+          </p:nvPr>
+        </p:nvSpPr>
+        <p:spPr>
+          <a:xfrm>
+            <a:off x="193965" y="263236"/>
+            <a:ext cx="11720944" cy="5913727"/>
+          </a:xfrm>
+        </p:spPr>
+        <p:txBody>
+          <a:bodyPr>
+            <a:normAutofit fontScale="77500" lnSpcReduction="20000"/>
+          </a:bodyPr>
+          <a:lstStyle/>
+          <a:p>
+            <a:pPr marL="0" indent="0">
+              <a:lnSpc>
+                <a:spcPct val="120000"/>
+              </a:lnSpc>
+              <a:buNone/>
+            </a:pPr>
+            <a:r>
+              <a:rPr lang="en-US" sz="2200" dirty="0">
+                <a:solidFill>
+                  <a:srgbClr val="FF0000"/>
+                </a:solidFill>
+              </a:rPr>
+              <a:t>&lt;?xml version="1.0"?&gt;</a:t>
+            </a:r>
+            <a:br>
+              <a:rPr lang="en-US" sz="2200" dirty="0">
+                <a:solidFill>
+                  <a:srgbClr val="FF0000"/>
+                </a:solidFill>
+              </a:rPr>
+            </a:br>
+            <a:br>
+              <a:rPr lang="en-US" sz="2200" dirty="0">
+                <a:solidFill>
+                  <a:srgbClr val="FF0000"/>
+                </a:solidFill>
+              </a:rPr>
+            </a:br>
+            <a:r>
+              <a:rPr lang="en-US" sz="2200" dirty="0">
+                <a:solidFill>
+                  <a:srgbClr val="FF0000"/>
+                </a:solidFill>
+              </a:rPr>
+              <a:t>&lt;</a:t>
+            </a:r>
+            <a:r>
+              <a:rPr lang="en-US" sz="2200" dirty="0" err="1">
+                <a:solidFill>
+                  <a:srgbClr val="FF0000"/>
+                </a:solidFill>
+              </a:rPr>
+              <a:t>xs:schema</a:t>
+            </a:r>
+            <a:r>
+              <a:rPr lang="en-US" sz="2200" dirty="0">
+                <a:solidFill>
+                  <a:srgbClr val="FF0000"/>
+                </a:solidFill>
+              </a:rPr>
+              <a:t> </a:t>
+            </a:r>
+            <a:r>
+              <a:rPr lang="en-US" sz="2200" dirty="0" err="1">
+                <a:solidFill>
+                  <a:srgbClr val="FF0000"/>
+                </a:solidFill>
+              </a:rPr>
+              <a:t>xmlns:xs</a:t>
+            </a:r>
+            <a:r>
+              <a:rPr lang="en-US" sz="2200" dirty="0">
+                <a:solidFill>
+                  <a:srgbClr val="FF0000"/>
+                </a:solidFill>
+              </a:rPr>
+              <a:t>="http://www.w3.org/2001/XMLSchema"</a:t>
+            </a:r>
+            <a:br>
+              <a:rPr lang="en-US" sz="2200" dirty="0">
+                <a:solidFill>
+                  <a:srgbClr val="FF0000"/>
+                </a:solidFill>
+              </a:rPr>
+            </a:br>
+            <a:r>
+              <a:rPr lang="en-US" sz="2200" dirty="0" err="1">
+                <a:solidFill>
+                  <a:srgbClr val="FF0000"/>
+                </a:solidFill>
+              </a:rPr>
+              <a:t>targetNamespace</a:t>
+            </a:r>
+            <a:r>
+              <a:rPr lang="en-US" sz="2200" dirty="0">
+                <a:solidFill>
+                  <a:srgbClr val="FF0000"/>
+                </a:solidFill>
+              </a:rPr>
+              <a:t>="https://www.bookshop.com"</a:t>
+            </a:r>
+            <a:br>
+              <a:rPr lang="en-US" sz="2200" dirty="0">
+                <a:solidFill>
+                  <a:srgbClr val="FF0000"/>
+                </a:solidFill>
+              </a:rPr>
+            </a:br>
+            <a:r>
+              <a:rPr lang="en-US" sz="2200" dirty="0" err="1">
+                <a:solidFill>
+                  <a:srgbClr val="FF0000"/>
+                </a:solidFill>
+              </a:rPr>
+              <a:t>xmlns</a:t>
+            </a:r>
+            <a:r>
+              <a:rPr lang="en-US" sz="2200" dirty="0">
+                <a:solidFill>
+                  <a:srgbClr val="FF0000"/>
+                </a:solidFill>
+              </a:rPr>
+              <a:t>="https://www.books.com"</a:t>
+            </a:r>
+            <a:br>
+              <a:rPr lang="en-US" sz="2200" dirty="0">
+                <a:solidFill>
+                  <a:srgbClr val="FF0000"/>
+                </a:solidFill>
+              </a:rPr>
+            </a:br>
+            <a:r>
+              <a:rPr lang="en-US" sz="2200" dirty="0" err="1">
+                <a:solidFill>
+                  <a:srgbClr val="FF0000"/>
+                </a:solidFill>
+              </a:rPr>
+              <a:t>elementFormDefault</a:t>
+            </a:r>
+            <a:r>
+              <a:rPr lang="en-US" sz="2200" dirty="0">
+                <a:solidFill>
+                  <a:srgbClr val="FF0000"/>
+                </a:solidFill>
+              </a:rPr>
+              <a:t>="qualified"&gt;</a:t>
+            </a:r>
+            <a:br>
+              <a:rPr lang="en-US" sz="2200" dirty="0">
+                <a:solidFill>
+                  <a:srgbClr val="FF0000"/>
+                </a:solidFill>
+              </a:rPr>
+            </a:br>
+            <a:r>
+              <a:rPr lang="en-US" sz="2200" dirty="0">
+                <a:solidFill>
+                  <a:srgbClr val="FF0000"/>
+                </a:solidFill>
+              </a:rPr>
+              <a:t>...</a:t>
+            </a:r>
+            <a:br>
+              <a:rPr lang="en-US" sz="2200" dirty="0">
+                <a:solidFill>
+                  <a:srgbClr val="FF0000"/>
+                </a:solidFill>
+              </a:rPr>
+            </a:br>
+            <a:r>
+              <a:rPr lang="en-US" sz="2200" dirty="0">
+                <a:solidFill>
+                  <a:srgbClr val="FF0000"/>
+                </a:solidFill>
+              </a:rPr>
+              <a:t>...</a:t>
+            </a:r>
+            <a:br>
+              <a:rPr lang="en-US" sz="2200" dirty="0">
+                <a:solidFill>
+                  <a:srgbClr val="FF0000"/>
+                </a:solidFill>
+              </a:rPr>
+            </a:br>
+            <a:r>
+              <a:rPr lang="en-US" sz="2200" dirty="0">
+                <a:solidFill>
+                  <a:srgbClr val="FF0000"/>
+                </a:solidFill>
+              </a:rPr>
+              <a:t>&lt;/</a:t>
+            </a:r>
+            <a:r>
+              <a:rPr lang="en-US" sz="2200" dirty="0" err="1">
+                <a:solidFill>
+                  <a:srgbClr val="FF0000"/>
+                </a:solidFill>
+              </a:rPr>
+              <a:t>xs:schema</a:t>
+            </a:r>
+            <a:r>
+              <a:rPr lang="en-US" sz="2200" dirty="0">
+                <a:solidFill>
+                  <a:srgbClr val="FF0000"/>
+                </a:solidFill>
+              </a:rPr>
+              <a:t>&gt;</a:t>
+            </a:r>
+          </a:p>
+          <a:p>
+            <a:r>
+              <a:rPr lang="en-US" dirty="0"/>
+              <a:t>indicates that the elements and data types used in the schema come from the "http://www.w3.org/2001/XMLSchema" namespace. It also specifies that the elements and data types that come from the "http://www.w3.org/2001/XMLSchema" namespace should be prefixed with </a:t>
+            </a:r>
+            <a:r>
+              <a:rPr lang="en-US" b="1" dirty="0" err="1"/>
+              <a:t>xs</a:t>
+            </a:r>
+            <a:r>
+              <a:rPr lang="en-US" b="1" dirty="0"/>
+              <a:t>:</a:t>
+            </a:r>
+            <a:endParaRPr lang="en-US" sz="1600" b="1" dirty="0">
+              <a:solidFill>
+                <a:srgbClr val="FF0000"/>
+              </a:solidFill>
+            </a:endParaRPr>
+          </a:p>
+          <a:p>
+            <a:r>
+              <a:rPr lang="en-US" dirty="0"/>
+              <a:t>indicates that the elements defined by this schema (note, to, from, heading, body.) come from the "https://www.bookshop.com" namespace.</a:t>
+            </a:r>
+          </a:p>
+          <a:p>
+            <a:r>
+              <a:rPr lang="en-US" dirty="0"/>
+              <a:t>indicates that the default namespace is "https://www.books.com".</a:t>
+            </a:r>
+          </a:p>
+          <a:p>
+            <a:r>
+              <a:rPr lang="en-US" dirty="0"/>
+              <a:t>indicates that any elements used by the XML instance document which were declared in this schema must be namespace qualified.</a:t>
+            </a:r>
+          </a:p>
+          <a:p>
+            <a:pPr marL="0" indent="0">
+              <a:buNone/>
+            </a:pPr>
+            <a:br>
+              <a:rPr lang="en-US" dirty="0"/>
+            </a:br>
+            <a:br>
+              <a:rPr lang="en-US" dirty="0"/>
+            </a:br>
+            <a:endParaRPr lang="en-US" dirty="0"/>
+          </a:p>
+        </p:txBody>
+      </p:sp>
+      <p:sp>
+        <p:nvSpPr>
+          <p:cNvPr id="4" name="Footer Placeholder 3">
+            <a:extLst>
+              <a:ext uri="{FF2B5EF4-FFF2-40B4-BE49-F238E27FC236}">
+                <a16:creationId xmlns:a16="http://schemas.microsoft.com/office/drawing/2014/main" id="{DED00FF1-23A4-4187-96BF-1B12880C173D}"/>
+              </a:ext>
+            </a:extLst>
+          </p:cNvPr>
+          <p:cNvSpPr>
+            <a:spLocks noGrp="1"/>
+          </p:cNvSpPr>
+          <p:nvPr>
+            <p:ph type="ftr" sz="quarter" idx="11"/>
+          </p:nvPr>
+        </p:nvSpPr>
+        <p:spPr/>
+        <p:txBody>
+          <a:bodyPr/>
+          <a:lstStyle/>
+          <a:p>
+            <a:r>
+              <a:rPr lang="en-US"/>
+              <a:t>Prepared By Sir Ebad Uddin Ahmed</a:t>
+            </a:r>
+          </a:p>
+        </p:txBody>
+      </p:sp>
+      <p:sp>
+        <p:nvSpPr>
+          <p:cNvPr id="5" name="Slide Number Placeholder 4">
+            <a:extLst>
+              <a:ext uri="{FF2B5EF4-FFF2-40B4-BE49-F238E27FC236}">
+                <a16:creationId xmlns:a16="http://schemas.microsoft.com/office/drawing/2014/main" id="{A907AC5B-953F-40F6-B387-351DAD1D4E28}"/>
+              </a:ext>
+            </a:extLst>
+          </p:cNvPr>
+          <p:cNvSpPr>
+            <a:spLocks noGrp="1"/>
+          </p:cNvSpPr>
+          <p:nvPr>
+            <p:ph type="sldNum" sz="quarter" idx="12"/>
+          </p:nvPr>
+        </p:nvSpPr>
+        <p:spPr/>
+        <p:txBody>
+          <a:bodyPr/>
+          <a:lstStyle/>
+          <a:p>
+            <a:fld id="{BBFB9156-188D-4255-B334-F67017332DBA}" type="slidenum">
+              <a:rPr lang="en-US" smtClean="0"/>
+              <a:t>29</a:t>
+            </a:fld>
+            <a:endParaRPr lang="en-US"/>
+          </a:p>
+        </p:txBody>
+      </p:sp>
+    </p:spTree>
+    <p:extLst>
+      <p:ext uri="{BB962C8B-B14F-4D97-AF65-F5344CB8AC3E}">
+        <p14:creationId xmlns:p14="http://schemas.microsoft.com/office/powerpoint/2010/main" val="4282442908"/>
       </p:ext>
     </p:extLst>
   </p:cSld>
@@ -11989,6 +13731,614 @@
     <p:extLst>
       <p:ext uri="{BB962C8B-B14F-4D97-AF65-F5344CB8AC3E}">
         <p14:creationId xmlns:p14="http://schemas.microsoft.com/office/powerpoint/2010/main" val="4113807290"/>
+      </p:ext>
+    </p:extLst>
+  </p:cSld>
+  <p:clrMapOvr>
+    <a:masterClrMapping/>
+  </p:clrMapOvr>
+</p:sld>
+</file>
+
+<file path=ppt/slides/slide30.xml><?xml version="1.0" encoding="utf-8"?>
+<p:sld xmlns:a="http://schemas.openxmlformats.org/drawingml/2006/main" xmlns:r="http://schemas.openxmlformats.org/officeDocument/2006/relationships" xmlns:p="http://schemas.openxmlformats.org/presentationml/2006/main">
+  <p:cSld>
+    <p:spTree>
+      <p:nvGrpSpPr>
+        <p:cNvPr id="1" name=""/>
+        <p:cNvGrpSpPr/>
+        <p:nvPr/>
+      </p:nvGrpSpPr>
+      <p:grpSpPr>
+        <a:xfrm>
+          <a:off x="0" y="0"/>
+          <a:ext cx="0" cy="0"/>
+          <a:chOff x="0" y="0"/>
+          <a:chExt cx="0" cy="0"/>
+        </a:xfrm>
+      </p:grpSpPr>
+      <p:sp>
+        <p:nvSpPr>
+          <p:cNvPr id="2" name="Title 1">
+            <a:extLst>
+              <a:ext uri="{FF2B5EF4-FFF2-40B4-BE49-F238E27FC236}">
+                <a16:creationId xmlns:a16="http://schemas.microsoft.com/office/drawing/2014/main" id="{8B5BF225-6F36-4C64-8FA9-B55D42DF671D}"/>
+              </a:ext>
+            </a:extLst>
+          </p:cNvPr>
+          <p:cNvSpPr>
+            <a:spLocks noGrp="1"/>
+          </p:cNvSpPr>
+          <p:nvPr>
+            <p:ph type="title"/>
+          </p:nvPr>
+        </p:nvSpPr>
+        <p:spPr/>
+        <p:txBody>
+          <a:bodyPr>
+            <a:normAutofit/>
+          </a:bodyPr>
+          <a:lstStyle/>
+          <a:p>
+            <a:r>
+              <a:rPr lang="en-US" dirty="0"/>
+              <a:t>Referencing a Schema in an XML Document:</a:t>
+            </a:r>
+          </a:p>
+        </p:txBody>
+      </p:sp>
+      <p:sp>
+        <p:nvSpPr>
+          <p:cNvPr id="3" name="Content Placeholder 2">
+            <a:extLst>
+              <a:ext uri="{FF2B5EF4-FFF2-40B4-BE49-F238E27FC236}">
+                <a16:creationId xmlns:a16="http://schemas.microsoft.com/office/drawing/2014/main" id="{F2C13007-9650-466E-9A6C-CBF87DFDE905}"/>
+              </a:ext>
+            </a:extLst>
+          </p:cNvPr>
+          <p:cNvSpPr>
+            <a:spLocks noGrp="1"/>
+          </p:cNvSpPr>
+          <p:nvPr>
+            <p:ph idx="1"/>
+          </p:nvPr>
+        </p:nvSpPr>
+        <p:spPr/>
+        <p:txBody>
+          <a:bodyPr/>
+          <a:lstStyle/>
+          <a:p>
+            <a:r>
+              <a:rPr lang="en-US" dirty="0"/>
+              <a:t>&lt;?xml version="1.0"?&gt;</a:t>
+            </a:r>
+            <a:br>
+              <a:rPr lang="en-US" dirty="0"/>
+            </a:br>
+            <a:br>
+              <a:rPr lang="en-US" dirty="0"/>
+            </a:br>
+            <a:r>
+              <a:rPr lang="en-US" dirty="0"/>
+              <a:t>&lt;note </a:t>
+            </a:r>
+            <a:r>
+              <a:rPr lang="en-US" dirty="0" err="1"/>
+              <a:t>xmlns</a:t>
+            </a:r>
+            <a:r>
+              <a:rPr lang="en-US" dirty="0"/>
+              <a:t>="https://www.w3schools.com"</a:t>
+            </a:r>
+            <a:br>
+              <a:rPr lang="en-US" dirty="0"/>
+            </a:br>
+            <a:r>
+              <a:rPr lang="en-US" dirty="0" err="1"/>
+              <a:t>xmlns:xsi</a:t>
+            </a:r>
+            <a:r>
+              <a:rPr lang="en-US" dirty="0"/>
+              <a:t>="http://www.w3.org/2001/XMLSchema-instance"</a:t>
+            </a:r>
+            <a:br>
+              <a:rPr lang="en-US" dirty="0"/>
+            </a:br>
+            <a:r>
+              <a:rPr lang="en-US" dirty="0" err="1"/>
+              <a:t>xsi:schemaLocation</a:t>
+            </a:r>
+            <a:r>
+              <a:rPr lang="en-US" dirty="0"/>
+              <a:t>="https://www.w3schools.com note.xsd"&gt;</a:t>
+            </a:r>
+            <a:br>
+              <a:rPr lang="en-US" dirty="0"/>
+            </a:br>
+            <a:br>
+              <a:rPr lang="en-US" dirty="0"/>
+            </a:br>
+            <a:r>
+              <a:rPr lang="en-US" dirty="0"/>
+              <a:t>&lt;to&gt;</a:t>
+            </a:r>
+            <a:r>
+              <a:rPr lang="en-US" dirty="0" err="1"/>
+              <a:t>Tove</a:t>
+            </a:r>
+            <a:r>
+              <a:rPr lang="en-US" dirty="0"/>
+              <a:t>&lt;/to&gt;</a:t>
+            </a:r>
+            <a:br>
+              <a:rPr lang="en-US" dirty="0"/>
+            </a:br>
+            <a:r>
+              <a:rPr lang="en-US" dirty="0"/>
+              <a:t>&lt;from&gt;Jani&lt;/from&gt;</a:t>
+            </a:r>
+            <a:br>
+              <a:rPr lang="en-US" dirty="0"/>
+            </a:br>
+            <a:r>
+              <a:rPr lang="en-US" dirty="0"/>
+              <a:t>&lt;heading&gt;Reminder&lt;/heading&gt;</a:t>
+            </a:r>
+            <a:br>
+              <a:rPr lang="en-US" dirty="0"/>
+            </a:br>
+            <a:r>
+              <a:rPr lang="en-US" dirty="0"/>
+              <a:t>&lt;body&gt;Don't forget me this weekend!&lt;/body&gt;</a:t>
+            </a:r>
+            <a:br>
+              <a:rPr lang="en-US" dirty="0"/>
+            </a:br>
+            <a:r>
+              <a:rPr lang="en-US" dirty="0"/>
+              <a:t>&lt;/note&gt;</a:t>
+            </a:r>
+          </a:p>
+        </p:txBody>
+      </p:sp>
+      <p:sp>
+        <p:nvSpPr>
+          <p:cNvPr id="4" name="Footer Placeholder 3">
+            <a:extLst>
+              <a:ext uri="{FF2B5EF4-FFF2-40B4-BE49-F238E27FC236}">
+                <a16:creationId xmlns:a16="http://schemas.microsoft.com/office/drawing/2014/main" id="{BE01D556-F07F-4CFA-B04D-B7753117AA23}"/>
+              </a:ext>
+            </a:extLst>
+          </p:cNvPr>
+          <p:cNvSpPr>
+            <a:spLocks noGrp="1"/>
+          </p:cNvSpPr>
+          <p:nvPr>
+            <p:ph type="ftr" sz="quarter" idx="11"/>
+          </p:nvPr>
+        </p:nvSpPr>
+        <p:spPr/>
+        <p:txBody>
+          <a:bodyPr/>
+          <a:lstStyle/>
+          <a:p>
+            <a:r>
+              <a:rPr lang="en-US"/>
+              <a:t>Prepared By Sir Ebad Uddin Ahmed</a:t>
+            </a:r>
+          </a:p>
+        </p:txBody>
+      </p:sp>
+      <p:sp>
+        <p:nvSpPr>
+          <p:cNvPr id="5" name="Slide Number Placeholder 4">
+            <a:extLst>
+              <a:ext uri="{FF2B5EF4-FFF2-40B4-BE49-F238E27FC236}">
+                <a16:creationId xmlns:a16="http://schemas.microsoft.com/office/drawing/2014/main" id="{1FCE36CC-3AA8-4318-9C86-2D5E9F66ADF7}"/>
+              </a:ext>
+            </a:extLst>
+          </p:cNvPr>
+          <p:cNvSpPr>
+            <a:spLocks noGrp="1"/>
+          </p:cNvSpPr>
+          <p:nvPr>
+            <p:ph type="sldNum" sz="quarter" idx="12"/>
+          </p:nvPr>
+        </p:nvSpPr>
+        <p:spPr/>
+        <p:txBody>
+          <a:bodyPr/>
+          <a:lstStyle/>
+          <a:p>
+            <a:fld id="{BBFB9156-188D-4255-B334-F67017332DBA}" type="slidenum">
+              <a:rPr lang="en-US" smtClean="0"/>
+              <a:t>30</a:t>
+            </a:fld>
+            <a:endParaRPr lang="en-US"/>
+          </a:p>
+        </p:txBody>
+      </p:sp>
+    </p:spTree>
+    <p:extLst>
+      <p:ext uri="{BB962C8B-B14F-4D97-AF65-F5344CB8AC3E}">
+        <p14:creationId xmlns:p14="http://schemas.microsoft.com/office/powerpoint/2010/main" val="1140136177"/>
+      </p:ext>
+    </p:extLst>
+  </p:cSld>
+  <p:clrMapOvr>
+    <a:masterClrMapping/>
+  </p:clrMapOvr>
+</p:sld>
+</file>
+
+<file path=ppt/slides/slide31.xml><?xml version="1.0" encoding="utf-8"?>
+<p:sld xmlns:a="http://schemas.openxmlformats.org/drawingml/2006/main" xmlns:r="http://schemas.openxmlformats.org/officeDocument/2006/relationships" xmlns:p="http://schemas.openxmlformats.org/presentationml/2006/main">
+  <p:cSld>
+    <p:spTree>
+      <p:nvGrpSpPr>
+        <p:cNvPr id="1" name=""/>
+        <p:cNvGrpSpPr/>
+        <p:nvPr/>
+      </p:nvGrpSpPr>
+      <p:grpSpPr>
+        <a:xfrm>
+          <a:off x="0" y="0"/>
+          <a:ext cx="0" cy="0"/>
+          <a:chOff x="0" y="0"/>
+          <a:chExt cx="0" cy="0"/>
+        </a:xfrm>
+      </p:grpSpPr>
+      <p:sp>
+        <p:nvSpPr>
+          <p:cNvPr id="3" name="Content Placeholder 2">
+            <a:extLst>
+              <a:ext uri="{FF2B5EF4-FFF2-40B4-BE49-F238E27FC236}">
+                <a16:creationId xmlns:a16="http://schemas.microsoft.com/office/drawing/2014/main" id="{65B503AF-5F7C-44E7-B46E-A6865FD46F81}"/>
+              </a:ext>
+            </a:extLst>
+          </p:cNvPr>
+          <p:cNvSpPr>
+            <a:spLocks noGrp="1"/>
+          </p:cNvSpPr>
+          <p:nvPr>
+            <p:ph idx="1"/>
+          </p:nvPr>
+        </p:nvSpPr>
+        <p:spPr>
+          <a:xfrm>
+            <a:off x="838200" y="332509"/>
+            <a:ext cx="10515600" cy="5844454"/>
+          </a:xfrm>
+        </p:spPr>
+        <p:txBody>
+          <a:bodyPr/>
+          <a:lstStyle/>
+          <a:p>
+            <a:r>
+              <a:rPr lang="en-US" dirty="0"/>
+              <a:t>specifies the default namespace declaration. This declaration tells the schema-validator that all the elements used in this XML document are declared in the "https://www.w3schools.com" namespace.</a:t>
+            </a:r>
+          </a:p>
+          <a:p>
+            <a:r>
+              <a:rPr lang="en-US" dirty="0"/>
+              <a:t>you can use the </a:t>
+            </a:r>
+            <a:r>
+              <a:rPr lang="en-US" dirty="0" err="1"/>
+              <a:t>schemaLocation</a:t>
+            </a:r>
+            <a:r>
+              <a:rPr lang="en-US" dirty="0"/>
+              <a:t> attribute. This attribute has two values, separated by a space. The first value is the namespace to use. The second value is the location of the XML schema to use for that namespace:</a:t>
+            </a:r>
+          </a:p>
+          <a:p>
+            <a:pPr marL="0" indent="0">
+              <a:buNone/>
+            </a:pPr>
+            <a:endParaRPr lang="en-US" dirty="0"/>
+          </a:p>
+        </p:txBody>
+      </p:sp>
+      <p:sp>
+        <p:nvSpPr>
+          <p:cNvPr id="4" name="Footer Placeholder 3">
+            <a:extLst>
+              <a:ext uri="{FF2B5EF4-FFF2-40B4-BE49-F238E27FC236}">
+                <a16:creationId xmlns:a16="http://schemas.microsoft.com/office/drawing/2014/main" id="{7635F1F5-82C7-4A61-AE3F-BD5B9E9C684A}"/>
+              </a:ext>
+            </a:extLst>
+          </p:cNvPr>
+          <p:cNvSpPr>
+            <a:spLocks noGrp="1"/>
+          </p:cNvSpPr>
+          <p:nvPr>
+            <p:ph type="ftr" sz="quarter" idx="11"/>
+          </p:nvPr>
+        </p:nvSpPr>
+        <p:spPr/>
+        <p:txBody>
+          <a:bodyPr/>
+          <a:lstStyle/>
+          <a:p>
+            <a:r>
+              <a:rPr lang="en-US"/>
+              <a:t>Prepared By Sir Ebad Uddin Ahmed</a:t>
+            </a:r>
+          </a:p>
+        </p:txBody>
+      </p:sp>
+      <p:sp>
+        <p:nvSpPr>
+          <p:cNvPr id="5" name="Slide Number Placeholder 4">
+            <a:extLst>
+              <a:ext uri="{FF2B5EF4-FFF2-40B4-BE49-F238E27FC236}">
+                <a16:creationId xmlns:a16="http://schemas.microsoft.com/office/drawing/2014/main" id="{C417E5E1-28AF-4871-8833-170BBD318B42}"/>
+              </a:ext>
+            </a:extLst>
+          </p:cNvPr>
+          <p:cNvSpPr>
+            <a:spLocks noGrp="1"/>
+          </p:cNvSpPr>
+          <p:nvPr>
+            <p:ph type="sldNum" sz="quarter" idx="12"/>
+          </p:nvPr>
+        </p:nvSpPr>
+        <p:spPr/>
+        <p:txBody>
+          <a:bodyPr/>
+          <a:lstStyle/>
+          <a:p>
+            <a:fld id="{BBFB9156-188D-4255-B334-F67017332DBA}" type="slidenum">
+              <a:rPr lang="en-US" smtClean="0"/>
+              <a:t>31</a:t>
+            </a:fld>
+            <a:endParaRPr lang="en-US"/>
+          </a:p>
+        </p:txBody>
+      </p:sp>
+    </p:spTree>
+    <p:extLst>
+      <p:ext uri="{BB962C8B-B14F-4D97-AF65-F5344CB8AC3E}">
+        <p14:creationId xmlns:p14="http://schemas.microsoft.com/office/powerpoint/2010/main" val="932344848"/>
+      </p:ext>
+    </p:extLst>
+  </p:cSld>
+  <p:clrMapOvr>
+    <a:masterClrMapping/>
+  </p:clrMapOvr>
+</p:sld>
+</file>
+
+<file path=ppt/slides/slide32.xml><?xml version="1.0" encoding="utf-8"?>
+<p:sld xmlns:a="http://schemas.openxmlformats.org/drawingml/2006/main" xmlns:r="http://schemas.openxmlformats.org/officeDocument/2006/relationships" xmlns:p="http://schemas.openxmlformats.org/presentationml/2006/main">
+  <p:cSld>
+    <p:spTree>
+      <p:nvGrpSpPr>
+        <p:cNvPr id="1" name=""/>
+        <p:cNvGrpSpPr/>
+        <p:nvPr/>
+      </p:nvGrpSpPr>
+      <p:grpSpPr>
+        <a:xfrm>
+          <a:off x="0" y="0"/>
+          <a:ext cx="0" cy="0"/>
+          <a:chOff x="0" y="0"/>
+          <a:chExt cx="0" cy="0"/>
+        </a:xfrm>
+      </p:grpSpPr>
+      <p:sp>
+        <p:nvSpPr>
+          <p:cNvPr id="2" name="Title 1">
+            <a:extLst>
+              <a:ext uri="{FF2B5EF4-FFF2-40B4-BE49-F238E27FC236}">
+                <a16:creationId xmlns:a16="http://schemas.microsoft.com/office/drawing/2014/main" id="{217F5250-D718-4D3A-B33A-7512B3BFA1B1}"/>
+              </a:ext>
+            </a:extLst>
+          </p:cNvPr>
+          <p:cNvSpPr>
+            <a:spLocks noGrp="1"/>
+          </p:cNvSpPr>
+          <p:nvPr>
+            <p:ph type="title"/>
+          </p:nvPr>
+        </p:nvSpPr>
+        <p:spPr/>
+        <p:txBody>
+          <a:bodyPr>
+            <a:normAutofit/>
+          </a:bodyPr>
+          <a:lstStyle/>
+          <a:p>
+            <a:r>
+              <a:rPr lang="en-US" dirty="0"/>
+              <a:t>What is a Simple Element?</a:t>
+            </a:r>
+          </a:p>
+        </p:txBody>
+      </p:sp>
+      <p:sp>
+        <p:nvSpPr>
+          <p:cNvPr id="3" name="Content Placeholder 2">
+            <a:extLst>
+              <a:ext uri="{FF2B5EF4-FFF2-40B4-BE49-F238E27FC236}">
+                <a16:creationId xmlns:a16="http://schemas.microsoft.com/office/drawing/2014/main" id="{A9565567-BBB3-49EC-9A23-74C7FA919B27}"/>
+              </a:ext>
+            </a:extLst>
+          </p:cNvPr>
+          <p:cNvSpPr>
+            <a:spLocks noGrp="1"/>
+          </p:cNvSpPr>
+          <p:nvPr>
+            <p:ph idx="1"/>
+          </p:nvPr>
+        </p:nvSpPr>
+        <p:spPr/>
+        <p:txBody>
+          <a:bodyPr>
+            <a:normAutofit fontScale="85000" lnSpcReduction="20000"/>
+          </a:bodyPr>
+          <a:lstStyle/>
+          <a:p>
+            <a:r>
+              <a:rPr lang="en-US" dirty="0"/>
+              <a:t>A simple element is an XML element that can contain only text. It cannot contain any other elements or attributes.</a:t>
+            </a:r>
+          </a:p>
+          <a:p>
+            <a:r>
+              <a:rPr lang="en-US" dirty="0"/>
+              <a:t>&lt;</a:t>
+            </a:r>
+            <a:r>
+              <a:rPr lang="en-US" dirty="0" err="1"/>
+              <a:t>xs:element</a:t>
+            </a:r>
+            <a:r>
+              <a:rPr lang="en-US" dirty="0"/>
+              <a:t> name="xxx" type="</a:t>
+            </a:r>
+            <a:r>
+              <a:rPr lang="en-US" dirty="0" err="1"/>
+              <a:t>yyy</a:t>
+            </a:r>
+            <a:r>
+              <a:rPr lang="en-US" dirty="0"/>
+              <a:t>"/&gt;</a:t>
+            </a:r>
+          </a:p>
+          <a:p>
+            <a:r>
+              <a:rPr lang="en-US" dirty="0"/>
+              <a:t>where xxx is the name of the element and </a:t>
+            </a:r>
+            <a:r>
+              <a:rPr lang="en-US" dirty="0" err="1"/>
+              <a:t>yyy</a:t>
+            </a:r>
+            <a:r>
+              <a:rPr lang="en-US" dirty="0"/>
+              <a:t> is the data type of the element.</a:t>
+            </a:r>
+          </a:p>
+          <a:p>
+            <a:r>
+              <a:rPr lang="en-US" dirty="0"/>
+              <a:t>XML Schema has a lot of built-in data types. The most common types are:</a:t>
+            </a:r>
+          </a:p>
+          <a:p>
+            <a:r>
+              <a:rPr lang="en-US" dirty="0" err="1"/>
+              <a:t>xs:string</a:t>
+            </a:r>
+            <a:endParaRPr lang="en-US" dirty="0"/>
+          </a:p>
+          <a:p>
+            <a:r>
+              <a:rPr lang="en-US" dirty="0" err="1"/>
+              <a:t>xs:decimal</a:t>
+            </a:r>
+            <a:endParaRPr lang="en-US" dirty="0"/>
+          </a:p>
+          <a:p>
+            <a:r>
+              <a:rPr lang="en-US" dirty="0" err="1"/>
+              <a:t>xs:integer</a:t>
+            </a:r>
+            <a:endParaRPr lang="en-US" dirty="0"/>
+          </a:p>
+          <a:p>
+            <a:r>
+              <a:rPr lang="en-US" dirty="0" err="1"/>
+              <a:t>xs:boolean</a:t>
+            </a:r>
+            <a:endParaRPr lang="en-US" dirty="0"/>
+          </a:p>
+          <a:p>
+            <a:r>
+              <a:rPr lang="en-US" dirty="0" err="1"/>
+              <a:t>xs:date</a:t>
+            </a:r>
+            <a:endParaRPr lang="en-US" dirty="0"/>
+          </a:p>
+          <a:p>
+            <a:r>
+              <a:rPr lang="en-US" dirty="0" err="1"/>
+              <a:t>xs:time</a:t>
+            </a:r>
+            <a:endParaRPr lang="en-US" dirty="0"/>
+          </a:p>
+          <a:p>
+            <a:pPr marL="0" indent="0">
+              <a:buNone/>
+            </a:pPr>
+            <a:endParaRPr lang="en-US" dirty="0"/>
+          </a:p>
+        </p:txBody>
+      </p:sp>
+      <p:sp>
+        <p:nvSpPr>
+          <p:cNvPr id="4" name="Footer Placeholder 3">
+            <a:extLst>
+              <a:ext uri="{FF2B5EF4-FFF2-40B4-BE49-F238E27FC236}">
+                <a16:creationId xmlns:a16="http://schemas.microsoft.com/office/drawing/2014/main" id="{55E53BAE-0157-42A2-B204-84B6CF41D9AF}"/>
+              </a:ext>
+            </a:extLst>
+          </p:cNvPr>
+          <p:cNvSpPr>
+            <a:spLocks noGrp="1"/>
+          </p:cNvSpPr>
+          <p:nvPr>
+            <p:ph type="ftr" sz="quarter" idx="11"/>
+          </p:nvPr>
+        </p:nvSpPr>
+        <p:spPr/>
+        <p:txBody>
+          <a:bodyPr/>
+          <a:lstStyle/>
+          <a:p>
+            <a:r>
+              <a:rPr lang="en-US"/>
+              <a:t>Prepared By Sir Ebad Uddin Ahmed</a:t>
+            </a:r>
+          </a:p>
+        </p:txBody>
+      </p:sp>
+      <p:sp>
+        <p:nvSpPr>
+          <p:cNvPr id="5" name="Slide Number Placeholder 4">
+            <a:extLst>
+              <a:ext uri="{FF2B5EF4-FFF2-40B4-BE49-F238E27FC236}">
+                <a16:creationId xmlns:a16="http://schemas.microsoft.com/office/drawing/2014/main" id="{7DFF1AEA-30D8-46D6-B5C8-467C1DA47D69}"/>
+              </a:ext>
+            </a:extLst>
+          </p:cNvPr>
+          <p:cNvSpPr>
+            <a:spLocks noGrp="1"/>
+          </p:cNvSpPr>
+          <p:nvPr>
+            <p:ph type="sldNum" sz="quarter" idx="12"/>
+          </p:nvPr>
+        </p:nvSpPr>
+        <p:spPr/>
+        <p:txBody>
+          <a:bodyPr/>
+          <a:lstStyle/>
+          <a:p>
+            <a:fld id="{BBFB9156-188D-4255-B334-F67017332DBA}" type="slidenum">
+              <a:rPr lang="en-US" smtClean="0"/>
+              <a:t>32</a:t>
+            </a:fld>
+            <a:endParaRPr lang="en-US"/>
+          </a:p>
+        </p:txBody>
+      </p:sp>
+    </p:spTree>
+    <p:extLst>
+      <p:ext uri="{BB962C8B-B14F-4D97-AF65-F5344CB8AC3E}">
+        <p14:creationId xmlns:p14="http://schemas.microsoft.com/office/powerpoint/2010/main" val="4083727060"/>
       </p:ext>
     </p:extLst>
   </p:cSld>

--- a/XML.pptx
+++ b/XML.pptx
@@ -187,6 +187,105 @@
 <file path=ppt/changesInfos/changesInfo1.xml><?xml version="1.0" encoding="utf-8"?>
 <pc:chgInfo xmlns:a="http://schemas.openxmlformats.org/drawingml/2006/main" xmlns:r="http://schemas.openxmlformats.org/officeDocument/2006/relationships" xmlns:ac="http://schemas.microsoft.com/office/drawing/2013/main/command" xmlns:pc="http://schemas.microsoft.com/office/powerpoint/2013/main/command">
   <pc:docChgLst>
+    <pc:chgData name="Ebad Uddin" userId="538e1def2c29a779" providerId="LiveId" clId="{6B245639-E275-4B2C-ACBC-1BA91EAA5B1E}"/>
+    <pc:docChg chg="undo custSel modSld">
+      <pc:chgData name="Ebad Uddin" userId="538e1def2c29a779" providerId="LiveId" clId="{6B245639-E275-4B2C-ACBC-1BA91EAA5B1E}" dt="2023-05-08T07:26:42.947" v="221" actId="20577"/>
+      <pc:docMkLst>
+        <pc:docMk/>
+      </pc:docMkLst>
+      <pc:sldChg chg="modSp">
+        <pc:chgData name="Ebad Uddin" userId="538e1def2c29a779" providerId="LiveId" clId="{6B245639-E275-4B2C-ACBC-1BA91EAA5B1E}" dt="2023-05-08T07:11:39.762" v="25" actId="20577"/>
+        <pc:sldMkLst>
+          <pc:docMk/>
+          <pc:sldMk cId="1105188107" sldId="269"/>
+        </pc:sldMkLst>
+        <pc:spChg chg="mod">
+          <ac:chgData name="Ebad Uddin" userId="538e1def2c29a779" providerId="LiveId" clId="{6B245639-E275-4B2C-ACBC-1BA91EAA5B1E}" dt="2023-05-08T07:11:39.762" v="25" actId="20577"/>
+          <ac:spMkLst>
+            <pc:docMk/>
+            <pc:sldMk cId="1105188107" sldId="269"/>
+            <ac:spMk id="6" creationId="{B1CBA527-2B4B-4254-89A9-227E5D0AD16A}"/>
+          </ac:spMkLst>
+        </pc:spChg>
+      </pc:sldChg>
+      <pc:sldChg chg="modSp">
+        <pc:chgData name="Ebad Uddin" userId="538e1def2c29a779" providerId="LiveId" clId="{6B245639-E275-4B2C-ACBC-1BA91EAA5B1E}" dt="2023-05-08T07:16:32.565" v="58" actId="20577"/>
+        <pc:sldMkLst>
+          <pc:docMk/>
+          <pc:sldMk cId="3185258969" sldId="271"/>
+        </pc:sldMkLst>
+        <pc:spChg chg="mod">
+          <ac:chgData name="Ebad Uddin" userId="538e1def2c29a779" providerId="LiveId" clId="{6B245639-E275-4B2C-ACBC-1BA91EAA5B1E}" dt="2023-05-08T07:16:32.565" v="58" actId="20577"/>
+          <ac:spMkLst>
+            <pc:docMk/>
+            <pc:sldMk cId="3185258969" sldId="271"/>
+            <ac:spMk id="3" creationId="{51F31226-328F-4D5A-9872-5522E705FE40}"/>
+          </ac:spMkLst>
+        </pc:spChg>
+      </pc:sldChg>
+      <pc:sldChg chg="modSp">
+        <pc:chgData name="Ebad Uddin" userId="538e1def2c29a779" providerId="LiveId" clId="{6B245639-E275-4B2C-ACBC-1BA91EAA5B1E}" dt="2023-05-08T04:42:46.705" v="12" actId="20578"/>
+        <pc:sldMkLst>
+          <pc:docMk/>
+          <pc:sldMk cId="2852147052" sldId="274"/>
+        </pc:sldMkLst>
+        <pc:spChg chg="mod">
+          <ac:chgData name="Ebad Uddin" userId="538e1def2c29a779" providerId="LiveId" clId="{6B245639-E275-4B2C-ACBC-1BA91EAA5B1E}" dt="2023-05-08T04:42:46.705" v="12" actId="20578"/>
+          <ac:spMkLst>
+            <pc:docMk/>
+            <pc:sldMk cId="2852147052" sldId="274"/>
+            <ac:spMk id="3" creationId="{A9801ADD-DAC2-441B-82A7-04A30828DCBF}"/>
+          </ac:spMkLst>
+        </pc:spChg>
+      </pc:sldChg>
+      <pc:sldChg chg="modSp">
+        <pc:chgData name="Ebad Uddin" userId="538e1def2c29a779" providerId="LiveId" clId="{6B245639-E275-4B2C-ACBC-1BA91EAA5B1E}" dt="2023-05-06T06:22:57.520" v="11" actId="20577"/>
+        <pc:sldMkLst>
+          <pc:docMk/>
+          <pc:sldMk cId="3617424264" sldId="275"/>
+        </pc:sldMkLst>
+        <pc:spChg chg="mod">
+          <ac:chgData name="Ebad Uddin" userId="538e1def2c29a779" providerId="LiveId" clId="{6B245639-E275-4B2C-ACBC-1BA91EAA5B1E}" dt="2023-05-06T06:22:57.520" v="11" actId="20577"/>
+          <ac:spMkLst>
+            <pc:docMk/>
+            <pc:sldMk cId="3617424264" sldId="275"/>
+            <ac:spMk id="3" creationId="{5B32C070-B783-4E6B-A477-705AB06FF4F5}"/>
+          </ac:spMkLst>
+        </pc:spChg>
+      </pc:sldChg>
+      <pc:sldChg chg="modSp">
+        <pc:chgData name="Ebad Uddin" userId="538e1def2c29a779" providerId="LiveId" clId="{6B245639-E275-4B2C-ACBC-1BA91EAA5B1E}" dt="2023-05-08T07:18:38.952" v="100" actId="20577"/>
+        <pc:sldMkLst>
+          <pc:docMk/>
+          <pc:sldMk cId="3339655733" sldId="277"/>
+        </pc:sldMkLst>
+        <pc:spChg chg="mod">
+          <ac:chgData name="Ebad Uddin" userId="538e1def2c29a779" providerId="LiveId" clId="{6B245639-E275-4B2C-ACBC-1BA91EAA5B1E}" dt="2023-05-08T07:18:38.952" v="100" actId="20577"/>
+          <ac:spMkLst>
+            <pc:docMk/>
+            <pc:sldMk cId="3339655733" sldId="277"/>
+            <ac:spMk id="2" creationId="{CA4ED2AE-1E80-45AF-A1E7-CF78B90A3854}"/>
+          </ac:spMkLst>
+        </pc:spChg>
+      </pc:sldChg>
+      <pc:sldChg chg="modSp">
+        <pc:chgData name="Ebad Uddin" userId="538e1def2c29a779" providerId="LiveId" clId="{6B245639-E275-4B2C-ACBC-1BA91EAA5B1E}" dt="2023-05-08T07:26:42.947" v="221" actId="20577"/>
+        <pc:sldMkLst>
+          <pc:docMk/>
+          <pc:sldMk cId="130926494" sldId="278"/>
+        </pc:sldMkLst>
+        <pc:spChg chg="mod">
+          <ac:chgData name="Ebad Uddin" userId="538e1def2c29a779" providerId="LiveId" clId="{6B245639-E275-4B2C-ACBC-1BA91EAA5B1E}" dt="2023-05-08T07:26:42.947" v="221" actId="20577"/>
+          <ac:spMkLst>
+            <pc:docMk/>
+            <pc:sldMk cId="130926494" sldId="278"/>
+            <ac:spMk id="6" creationId="{8E21E9C9-A256-47BC-89AD-5B73E9E223D2}"/>
+          </ac:spMkLst>
+        </pc:spChg>
+      </pc:sldChg>
+    </pc:docChg>
+  </pc:docChgLst>
+  <pc:docChgLst>
     <pc:chgData name="Ebad Uddin" userId="538e1def2c29a779" providerId="LiveId" clId="{524A70CC-6FD1-442A-AB7C-DECC0A084651}"/>
     <pc:docChg chg="modSld">
       <pc:chgData name="Ebad Uddin" userId="538e1def2c29a779" providerId="LiveId" clId="{524A70CC-6FD1-442A-AB7C-DECC0A084651}" dt="2023-03-14T05:41:48.375" v="11"/>
@@ -310,7 +409,7 @@
           <a:p>
             <a:fld id="{E6AF8031-6397-42F4-8630-8424B573FB5A}" type="datetimeFigureOut">
               <a:rPr lang="en-US" smtClean="0"/>
-              <a:t>5/4/2023</a:t>
+              <a:t>5/8/2023</a:t>
             </a:fld>
             <a:endParaRPr lang="en-US"/>
           </a:p>
@@ -724,7 +823,7 @@
           <a:p>
             <a:fld id="{6278235F-8910-46B2-984A-1820EE168D9B}" type="datetime1">
               <a:rPr lang="en-US" smtClean="0"/>
-              <a:t>5/4/2023</a:t>
+              <a:t>5/8/2023</a:t>
             </a:fld>
             <a:endParaRPr lang="en-US"/>
           </a:p>
@@ -925,7 +1024,7 @@
           <a:p>
             <a:fld id="{CDC7B2F3-D2D8-4F5D-A88B-1BCC962570EF}" type="datetime1">
               <a:rPr lang="en-US" smtClean="0"/>
-              <a:t>5/4/2023</a:t>
+              <a:t>5/8/2023</a:t>
             </a:fld>
             <a:endParaRPr lang="en-US"/>
           </a:p>
@@ -1136,7 +1235,7 @@
           <a:p>
             <a:fld id="{EAAA300C-6241-4EBD-A79C-303C85ECA15A}" type="datetime1">
               <a:rPr lang="en-US" smtClean="0"/>
-              <a:t>5/4/2023</a:t>
+              <a:t>5/8/2023</a:t>
             </a:fld>
             <a:endParaRPr lang="en-US"/>
           </a:p>
@@ -1337,7 +1436,7 @@
           <a:p>
             <a:fld id="{8E206612-FAD9-441D-B9AD-D12127A2E59A}" type="datetime1">
               <a:rPr lang="en-US" smtClean="0"/>
-              <a:t>5/4/2023</a:t>
+              <a:t>5/8/2023</a:t>
             </a:fld>
             <a:endParaRPr lang="en-US"/>
           </a:p>
@@ -1615,7 +1714,7 @@
           <a:p>
             <a:fld id="{6CD710CA-9CCA-4D9B-9BD5-6BF974C36B77}" type="datetime1">
               <a:rPr lang="en-US" smtClean="0"/>
-              <a:t>5/4/2023</a:t>
+              <a:t>5/8/2023</a:t>
             </a:fld>
             <a:endParaRPr lang="en-US"/>
           </a:p>
@@ -1883,7 +1982,7 @@
           <a:p>
             <a:fld id="{37C5B303-EAED-4D9D-9649-A8359D8BECF6}" type="datetime1">
               <a:rPr lang="en-US" smtClean="0"/>
-              <a:t>5/4/2023</a:t>
+              <a:t>5/8/2023</a:t>
             </a:fld>
             <a:endParaRPr lang="en-US"/>
           </a:p>
@@ -2298,7 +2397,7 @@
           <a:p>
             <a:fld id="{141145D9-C107-4B78-9B2C-74B5CEF58614}" type="datetime1">
               <a:rPr lang="en-US" smtClean="0"/>
-              <a:t>5/4/2023</a:t>
+              <a:t>5/8/2023</a:t>
             </a:fld>
             <a:endParaRPr lang="en-US"/>
           </a:p>
@@ -2442,7 +2541,7 @@
           <a:p>
             <a:fld id="{91A0F3B1-92DC-4929-9B6E-1BD694511B81}" type="datetime1">
               <a:rPr lang="en-US" smtClean="0"/>
-              <a:t>5/4/2023</a:t>
+              <a:t>5/8/2023</a:t>
             </a:fld>
             <a:endParaRPr lang="en-US"/>
           </a:p>
@@ -2558,7 +2657,7 @@
           <a:p>
             <a:fld id="{2B7A4CE0-92B4-41A1-A9A4-CB3615C1794D}" type="datetime1">
               <a:rPr lang="en-US" smtClean="0"/>
-              <a:t>5/4/2023</a:t>
+              <a:t>5/8/2023</a:t>
             </a:fld>
             <a:endParaRPr lang="en-US"/>
           </a:p>
@@ -2872,7 +2971,7 @@
           <a:p>
             <a:fld id="{DB7DD55D-639B-459E-8EB9-A5A58BD5358F}" type="datetime1">
               <a:rPr lang="en-US" smtClean="0"/>
-              <a:t>5/4/2023</a:t>
+              <a:t>5/8/2023</a:t>
             </a:fld>
             <a:endParaRPr lang="en-US"/>
           </a:p>
@@ -3163,7 +3262,7 @@
           <a:p>
             <a:fld id="{8E8CD2C4-7848-4757-9E31-E85C8F89684D}" type="datetime1">
               <a:rPr lang="en-US" smtClean="0"/>
-              <a:t>5/4/2023</a:t>
+              <a:t>5/8/2023</a:t>
             </a:fld>
             <a:endParaRPr lang="en-US"/>
           </a:p>
@@ -3437,7 +3536,7 @@
           <a:p>
             <a:fld id="{893EFF75-B296-48A8-92AE-0899E85CD770}" type="datetime1">
               <a:rPr lang="en-US" smtClean="0"/>
-              <a:t>5/4/2023</a:t>
+              <a:t>5/8/2023</a:t>
             </a:fld>
             <a:endParaRPr lang="en-US"/>
           </a:p>
@@ -5052,7 +5151,7 @@
           <a:p>
             <a:r>
               <a:rPr lang="en-US" dirty="0"/>
-              <a:t>Avoid "-". If you name something "first-name", some software may think you want to subtract "name" from "first".</a:t>
+              <a:t>Avoid "-". If you name something "first-name", some software may think you want to subtract "name" from "first". </a:t>
             </a:r>
           </a:p>
           <a:p>
@@ -5714,7 +5813,7 @@
                     <a:p>
                       <a:pPr algn="l" fontAlgn="t"/>
                       <a:r>
-                        <a:rPr lang="en-US" sz="1700">
+                        <a:rPr lang="en-US" sz="1700" dirty="0">
                           <a:effectLst/>
                         </a:rPr>
                         <a:t>&lt;FIRSTNAME&gt;</a:t>
@@ -5889,10 +5988,22 @@
                     <a:p>
                       <a:pPr algn="l" fontAlgn="t"/>
                       <a:r>
-                        <a:rPr lang="en-US" sz="1700">
+                        <a:rPr lang="en-US" sz="1700" dirty="0">
                           <a:effectLst/>
                         </a:rPr>
-                        <a:t>&lt;first_name&gt;</a:t>
+                        <a:t>&lt;</a:t>
+                      </a:r>
+                      <a:r>
+                        <a:rPr lang="en-US" sz="1700" dirty="0" err="1">
+                          <a:effectLst/>
+                        </a:rPr>
+                        <a:t>first_name</a:t>
+                      </a:r>
+                      <a:r>
+                        <a:rPr lang="en-US" sz="1700" dirty="0">
+                          <a:effectLst/>
+                        </a:rPr>
+                        <a:t>&gt;</a:t>
                       </a:r>
                     </a:p>
                   </a:txBody>
@@ -6554,7 +6665,7 @@
             <a:r>
               <a:rPr lang="en-US" sz="2400" dirty="0">
                 <a:solidFill>
-                  <a:schemeClr val="accent6"/>
+                  <a:srgbClr val="FF0000"/>
                 </a:solidFill>
               </a:rPr>
               <a:t>&lt;gangster name='George "Shotgun" Ziegler'&gt;</a:t>
@@ -6685,8 +6796,23 @@
           <a:p>
             <a:r>
               <a:rPr lang="en-US" dirty="0"/>
-              <a:t>XML DTD:</a:t>
-            </a:r>
+              <a:t>XML DTD</a:t>
+            </a:r>
+            <a:r>
+              <a:rPr lang="en-US" dirty="0">
+                <a:sym typeface="Wingdings" panose="05000000000000000000" pitchFamily="2" charset="2"/>
+              </a:rPr>
+              <a:t> (w3C)</a:t>
+            </a:r>
+            <a:r>
+              <a:rPr lang="en-US" dirty="0"/>
+              <a:t> </a:t>
+            </a:r>
+            <a:r>
+              <a:rPr lang="en-US" dirty="0" err="1"/>
+              <a:t>worldWideWebConsortium</a:t>
+            </a:r>
+            <a:endParaRPr lang="en-US" dirty="0"/>
           </a:p>
         </p:txBody>
       </p:sp>
@@ -7068,7 +7194,7 @@
         <p:spPr>
           <a:xfrm>
             <a:off x="5818909" y="1548534"/>
-            <a:ext cx="6096000" cy="1200329"/>
+            <a:ext cx="6096000" cy="2862322"/>
           </a:xfrm>
           <a:prstGeom prst="rect">
             <a:avLst/>
@@ -7096,23 +7222,67 @@
                   <a:srgbClr val="FF0000"/>
                 </a:solidFill>
               </a:rPr>
-              <a:t>&lt;! DOCTYPE </a:t>
-            </a:r>
-            <a:r>
-              <a:rPr lang="en-US" dirty="0" err="1">
+              <a:t>&lt;! DOCTYPE note [</a:t>
+            </a:r>
+          </a:p>
+          <a:p>
+            <a:r>
+              <a:rPr lang="en-US" dirty="0">
                 <a:solidFill>
                   <a:srgbClr val="FF0000"/>
                 </a:solidFill>
               </a:rPr>
-              <a:t>rootElement</a:t>
-            </a:r>
+              <a:t>&lt;!ELEMENT note (to, from, heading, body)</a:t>
+            </a:r>
+          </a:p>
+          <a:p>
             <a:r>
               <a:rPr lang="en-US" dirty="0">
                 <a:solidFill>
                   <a:srgbClr val="FF0000"/>
                 </a:solidFill>
               </a:rPr>
-              <a:t> [DTD rules]&gt;</a:t>
+              <a:t>&lt;!ELEMENT to (#PCDATA)</a:t>
+            </a:r>
+          </a:p>
+          <a:p>
+            <a:r>
+              <a:rPr lang="en-US" dirty="0">
+                <a:solidFill>
+                  <a:srgbClr val="FF0000"/>
+                </a:solidFill>
+              </a:rPr>
+              <a:t>&lt;!ELEMENT from (#PCDATA)</a:t>
+            </a:r>
+          </a:p>
+          <a:p>
+            <a:r>
+              <a:rPr lang="en-US" dirty="0">
+                <a:solidFill>
+                  <a:srgbClr val="FF0000"/>
+                </a:solidFill>
+              </a:rPr>
+              <a:t>&lt;!ELEMENT heading (#PCDATA)</a:t>
+            </a:r>
+          </a:p>
+          <a:p>
+            <a:r>
+              <a:rPr lang="en-US" dirty="0">
+                <a:solidFill>
+                  <a:srgbClr val="FF0000"/>
+                </a:solidFill>
+              </a:rPr>
+              <a:t>&lt;!ELEMENT body (#PCDATA)</a:t>
+            </a:r>
+          </a:p>
+          <a:p>
+            <a:r>
+              <a:rPr lang="en-US" dirty="0">
+                <a:solidFill>
+                  <a:srgbClr val="FF0000"/>
+                </a:solidFill>
+              </a:rPr>
+              <a:t>]&gt;</a:t>
             </a:r>
           </a:p>
           <a:p>
@@ -9505,7 +9675,7 @@
                 </a:solidFill>
                 <a:latin typeface="Consolas" panose="020B0609020204030204" pitchFamily="49" charset="0"/>
               </a:rPr>
-              <a:t>="http://www.w3.org/TR/html4/"&gt;</a:t>
+              <a:t>="http://www.w3.org/html4/"&gt;</a:t>
             </a:r>
             <a:br>
               <a:rPr lang="en-US" sz="2300" dirty="0">
@@ -9777,7 +9947,7 @@
                 </a:solidFill>
                 <a:latin typeface="Consolas" panose="020B0609020204030204" pitchFamily="49" charset="0"/>
               </a:rPr>
-              <a:t>="https://www.w3schools.com/furniture"&gt;</a:t>
+              <a:t>="https://www.w4.com/furniture"&gt;</a:t>
             </a:r>
             <a:br>
               <a:rPr lang="en-US" sz="2300" dirty="0">
